--- a/Project5-Capstone/AnneSong/SkyandSea.pptx
+++ b/Project5-Capstone/AnneSong/SkyandSea.pptx
@@ -8,16 +8,19 @@
     <p:sldId id="256" r:id="rId2"/>
     <p:sldId id="266" r:id="rId3"/>
     <p:sldId id="263" r:id="rId4"/>
-    <p:sldId id="265" r:id="rId5"/>
-    <p:sldId id="267" r:id="rId6"/>
-    <p:sldId id="257" r:id="rId7"/>
-    <p:sldId id="261" r:id="rId8"/>
-    <p:sldId id="258" r:id="rId9"/>
-    <p:sldId id="259" r:id="rId10"/>
-    <p:sldId id="260" r:id="rId11"/>
-    <p:sldId id="262" r:id="rId12"/>
-    <p:sldId id="264" r:id="rId13"/>
-    <p:sldId id="268" r:id="rId14"/>
+    <p:sldId id="269" r:id="rId5"/>
+    <p:sldId id="265" r:id="rId6"/>
+    <p:sldId id="267" r:id="rId7"/>
+    <p:sldId id="257" r:id="rId8"/>
+    <p:sldId id="261" r:id="rId9"/>
+    <p:sldId id="258" r:id="rId10"/>
+    <p:sldId id="259" r:id="rId11"/>
+    <p:sldId id="260" r:id="rId12"/>
+    <p:sldId id="262" r:id="rId13"/>
+    <p:sldId id="270" r:id="rId14"/>
+    <p:sldId id="264" r:id="rId15"/>
+    <p:sldId id="271" r:id="rId16"/>
+    <p:sldId id="268" r:id="rId17"/>
   </p:sldIdLst>
   <p:sldSz cx="12192000" cy="6858000"/>
   <p:notesSz cx="6858000" cy="9144000"/>
@@ -295,7 +298,7 @@
           <a:p>
             <a:fld id="{48A87A34-81AB-432B-8DAE-1953F412C126}" type="datetimeFigureOut">
               <a:rPr lang="en-US" dirty="0"/>
-              <a:t>9/17/2016</a:t>
+              <a:t>9/19/2016</a:t>
             </a:fld>
             <a:endParaRPr lang="en-US" dirty="0"/>
           </a:p>
@@ -602,7 +605,7 @@
           <a:p>
             <a:fld id="{48A87A34-81AB-432B-8DAE-1953F412C126}" type="datetimeFigureOut">
               <a:rPr lang="en-US" dirty="0"/>
-              <a:t>9/17/2016</a:t>
+              <a:t>9/19/2016</a:t>
             </a:fld>
             <a:endParaRPr lang="en-US" dirty="0"/>
           </a:p>
@@ -819,7 +822,7 @@
           <a:p>
             <a:fld id="{48A87A34-81AB-432B-8DAE-1953F412C126}" type="datetimeFigureOut">
               <a:rPr lang="en-US" dirty="0"/>
-              <a:t>9/17/2016</a:t>
+              <a:t>9/19/2016</a:t>
             </a:fld>
             <a:endParaRPr lang="en-US" dirty="0"/>
           </a:p>
@@ -1105,7 +1108,7 @@
           <a:p>
             <a:fld id="{48A87A34-81AB-432B-8DAE-1953F412C126}" type="datetimeFigureOut">
               <a:rPr lang="en-US" dirty="0"/>
-              <a:t>9/17/2016</a:t>
+              <a:t>9/19/2016</a:t>
             </a:fld>
             <a:endParaRPr lang="en-US" dirty="0"/>
           </a:p>
@@ -1554,7 +1557,7 @@
           <a:p>
             <a:fld id="{48A87A34-81AB-432B-8DAE-1953F412C126}" type="datetimeFigureOut">
               <a:rPr lang="en-US" dirty="0"/>
-              <a:t>9/17/2016</a:t>
+              <a:t>9/19/2016</a:t>
             </a:fld>
             <a:endParaRPr lang="en-US" dirty="0"/>
           </a:p>
@@ -2125,7 +2128,7 @@
           <a:p>
             <a:fld id="{48A87A34-81AB-432B-8DAE-1953F412C126}" type="datetimeFigureOut">
               <a:rPr lang="en-US" dirty="0"/>
-              <a:t>9/17/2016</a:t>
+              <a:t>9/19/2016</a:t>
             </a:fld>
             <a:endParaRPr lang="en-US" dirty="0"/>
           </a:p>
@@ -2972,7 +2975,7 @@
           <a:p>
             <a:fld id="{48A87A34-81AB-432B-8DAE-1953F412C126}" type="datetimeFigureOut">
               <a:rPr lang="en-US" dirty="0"/>
-              <a:t>9/17/2016</a:t>
+              <a:t>9/19/2016</a:t>
             </a:fld>
             <a:endParaRPr lang="en-US" dirty="0"/>
           </a:p>
@@ -3172,7 +3175,7 @@
           <a:p>
             <a:fld id="{48A87A34-81AB-432B-8DAE-1953F412C126}" type="datetimeFigureOut">
               <a:rPr lang="en-US" dirty="0"/>
-              <a:t>9/17/2016</a:t>
+              <a:t>9/19/2016</a:t>
             </a:fld>
             <a:endParaRPr lang="en-US" dirty="0"/>
           </a:p>
@@ -3381,7 +3384,7 @@
           <a:p>
             <a:fld id="{48A87A34-81AB-432B-8DAE-1953F412C126}" type="datetimeFigureOut">
               <a:rPr lang="en-US" dirty="0"/>
-              <a:t>9/17/2016</a:t>
+              <a:t>9/19/2016</a:t>
             </a:fld>
             <a:endParaRPr lang="en-US" dirty="0"/>
           </a:p>
@@ -3581,7 +3584,7 @@
           <a:p>
             <a:fld id="{48A87A34-81AB-432B-8DAE-1953F412C126}" type="datetimeFigureOut">
               <a:rPr lang="en-US" dirty="0"/>
-              <a:t>9/17/2016</a:t>
+              <a:t>9/19/2016</a:t>
             </a:fld>
             <a:endParaRPr lang="en-US" dirty="0"/>
           </a:p>
@@ -3856,7 +3859,7 @@
           <a:p>
             <a:fld id="{48A87A34-81AB-432B-8DAE-1953F412C126}" type="datetimeFigureOut">
               <a:rPr lang="en-US" dirty="0"/>
-              <a:t>9/17/2016</a:t>
+              <a:t>9/19/2016</a:t>
             </a:fld>
             <a:endParaRPr lang="en-US" dirty="0"/>
           </a:p>
@@ -4118,7 +4121,7 @@
           <a:p>
             <a:fld id="{48A87A34-81AB-432B-8DAE-1953F412C126}" type="datetimeFigureOut">
               <a:rPr lang="en-US" dirty="0"/>
-              <a:t>9/17/2016</a:t>
+              <a:t>9/19/2016</a:t>
             </a:fld>
             <a:endParaRPr lang="en-US" dirty="0"/>
           </a:p>
@@ -4528,7 +4531,7 @@
           <a:p>
             <a:fld id="{48A87A34-81AB-432B-8DAE-1953F412C126}" type="datetimeFigureOut">
               <a:rPr lang="en-US" dirty="0"/>
-              <a:t>9/17/2016</a:t>
+              <a:t>9/19/2016</a:t>
             </a:fld>
             <a:endParaRPr lang="en-US" dirty="0"/>
           </a:p>
@@ -4671,7 +4674,7 @@
           <a:p>
             <a:fld id="{48A87A34-81AB-432B-8DAE-1953F412C126}" type="datetimeFigureOut">
               <a:rPr lang="en-US" dirty="0"/>
-              <a:t>9/17/2016</a:t>
+              <a:t>9/19/2016</a:t>
             </a:fld>
             <a:endParaRPr lang="en-US" dirty="0"/>
           </a:p>
@@ -4791,7 +4794,7 @@
           <a:p>
             <a:fld id="{48A87A34-81AB-432B-8DAE-1953F412C126}" type="datetimeFigureOut">
               <a:rPr lang="en-US" dirty="0"/>
-              <a:t>9/17/2016</a:t>
+              <a:t>9/19/2016</a:t>
             </a:fld>
             <a:endParaRPr lang="en-US" dirty="0"/>
           </a:p>
@@ -5065,7 +5068,7 @@
           <a:p>
             <a:fld id="{48A87A34-81AB-432B-8DAE-1953F412C126}" type="datetimeFigureOut">
               <a:rPr lang="en-US" dirty="0"/>
-              <a:t>9/17/2016</a:t>
+              <a:t>9/19/2016</a:t>
             </a:fld>
             <a:endParaRPr lang="en-US" dirty="0"/>
           </a:p>
@@ -5372,7 +5375,7 @@
           <a:p>
             <a:fld id="{48A87A34-81AB-432B-8DAE-1953F412C126}" type="datetimeFigureOut">
               <a:rPr lang="en-US" dirty="0"/>
-              <a:t>9/17/2016</a:t>
+              <a:t>9/19/2016</a:t>
             </a:fld>
             <a:endParaRPr lang="en-US" dirty="0"/>
           </a:p>
@@ -5621,7 +5624,7 @@
             <a:fld id="{48A87A34-81AB-432B-8DAE-1953F412C126}" type="datetimeFigureOut">
               <a:rPr lang="en-US" dirty="0"/>
               <a:pPr/>
-              <a:t>9/17/2016</a:t>
+              <a:t>9/19/2016</a:t>
             </a:fld>
             <a:endParaRPr lang="en-US" dirty="0"/>
           </a:p>
@@ -6082,8 +6085,38 @@
           <a:lstStyle/>
           <a:p>
             <a:r>
+              <a:rPr lang="en-US" sz="7200" i="1" dirty="0">
+                <a:solidFill>
+                  <a:srgbClr val="0070C0"/>
+                </a:solidFill>
+              </a:rPr>
+              <a:t>Sky</a:t>
+            </a:r>
+            <a:r>
+              <a:rPr lang="en-US" dirty="0">
+                <a:solidFill>
+                  <a:srgbClr val="0070C0"/>
+                </a:solidFill>
+              </a:rPr>
+              <a:t> </a:t>
+            </a:r>
+            <a:r>
+              <a:rPr lang="en-US" i="1" dirty="0"/>
+              <a:t>and</a:t>
+            </a:r>
+            <a:r>
               <a:rPr lang="en-US" dirty="0"/>
-              <a:t>Sky and Sea</a:t>
+              <a:t> </a:t>
+            </a:r>
+            <a:r>
+              <a:rPr lang="en-US" sz="6600" i="1" dirty="0">
+                <a:solidFill>
+                  <a:schemeClr val="accent3">
+                    <a:lumMod val="75000"/>
+                  </a:schemeClr>
+                </a:solidFill>
+              </a:rPr>
+              <a:t>Sea</a:t>
             </a:r>
           </a:p>
         </p:txBody>
@@ -6130,7 +6163,7 @@
         <p:spPr>
           <a:xfrm>
             <a:off x="7191632" y="4802659"/>
-            <a:ext cx="1710725" cy="646331"/>
+            <a:ext cx="1931939" cy="646331"/>
           </a:xfrm>
           <a:prstGeom prst="rect">
             <a:avLst/>
@@ -6148,7 +6181,7 @@
           <a:p>
             <a:r>
               <a:rPr lang="en-US" dirty="0"/>
-              <a:t>By Anne Song</a:t>
+              <a:t>   By Anne Song</a:t>
             </a:r>
           </a:p>
         </p:txBody>
@@ -6195,8 +6228,8 @@
         </p:nvSpPr>
         <p:spPr>
           <a:xfrm>
-            <a:off x="312517" y="618517"/>
-            <a:ext cx="11227442" cy="1596177"/>
+            <a:off x="185739" y="618517"/>
+            <a:ext cx="11092488" cy="1596177"/>
           </a:xfrm>
         </p:spPr>
         <p:txBody>
@@ -6205,96 +6238,54 @@
           <a:p>
             <a:r>
               <a:rPr lang="en-US" dirty="0"/>
-              <a:t> Other proposed solutions for oil spill</a:t>
-            </a:r>
-          </a:p>
-        </p:txBody>
-      </p:sp>
-      <p:sp>
-        <p:nvSpPr>
-          <p:cNvPr id="3" name="Content Placeholder 2"/>
-          <p:cNvSpPr>
-            <a:spLocks noGrp="1"/>
-          </p:cNvSpPr>
+              <a:t>Nanotechnology Cleaning up oil spills</a:t>
+            </a:r>
+          </a:p>
+        </p:txBody>
+      </p:sp>
+      <p:pic>
+        <p:nvPicPr>
+          <p:cNvPr id="4" name="Content Placeholder 3" descr="https://tse1.mm.bing.net/th?&amp;id=OIP.M6639173e0f6685587ea9b6643846c1f0o0&amp;w=300&amp;h=225&amp;c=0&amp;pid=1.9&amp;rs=0&amp;p=0&amp;r=0">
+            <a:hlinkClick r:id="rId2" tooltip="&quot;View image details&quot;"/>
+          </p:cNvPr>
+          <p:cNvPicPr>
+            <a:picLocks noGrp="1"/>
+          </p:cNvPicPr>
           <p:nvPr>
             <p:ph sz="quarter" idx="13"/>
           </p:nvPr>
-        </p:nvSpPr>
-        <p:spPr/>
-        <p:txBody>
-          <a:bodyPr/>
-          <a:lstStyle/>
-          <a:p>
-            <a:r>
-              <a:rPr lang="en-US" dirty="0"/>
-              <a:t>Use of microorganisms to digest the oil</a:t>
-            </a:r>
-          </a:p>
-          <a:p>
-            <a:r>
-              <a:rPr lang="en-US" dirty="0"/>
-              <a:t>Mechanical means like skimmers, booms, pumps, mechanical separators</a:t>
-            </a:r>
-          </a:p>
-          <a:p>
-            <a:r>
-              <a:rPr lang="en-US" dirty="0"/>
-              <a:t>Sorbents to remove oil from water through adsorption and/or absorption</a:t>
-            </a:r>
-          </a:p>
-          <a:p>
-            <a:r>
-              <a:rPr lang="en-US" dirty="0"/>
-              <a:t>Use of chemical dispersants like detergents</a:t>
-            </a:r>
-          </a:p>
-        </p:txBody>
-      </p:sp>
-      <p:sp>
-        <p:nvSpPr>
-          <p:cNvPr id="4" name="TextBox 3"/>
-          <p:cNvSpPr txBox="1"/>
-          <p:nvPr/>
-        </p:nvSpPr>
-        <p:spPr>
-          <a:xfrm>
-            <a:off x="358190" y="5421867"/>
-            <a:ext cx="11941089" cy="923330"/>
+        </p:nvPicPr>
+        <p:blipFill>
+          <a:blip r:embed="rId3">
+            <a:extLst>
+              <a:ext uri="{28A0092B-C50C-407E-A947-70E740481C1C}">
+                <a14:useLocalDpi xmlns:a14="http://schemas.microsoft.com/office/drawing/2010/main" val="0"/>
+              </a:ext>
+            </a:extLst>
+          </a:blip>
+          <a:srcRect/>
+          <a:stretch>
+            <a:fillRect/>
+          </a:stretch>
+        </p:blipFill>
+        <p:spPr bwMode="auto">
+          <a:xfrm>
+            <a:off x="2171699" y="1928944"/>
+            <a:ext cx="7700963" cy="4643306"/>
           </a:xfrm>
           <a:prstGeom prst="rect">
             <a:avLst/>
           </a:prstGeom>
           <a:noFill/>
-        </p:spPr>
-        <p:txBody>
-          <a:bodyPr wrap="none" rtlCol="0">
-            <a:spAutoFit/>
-          </a:bodyPr>
-          <a:lstStyle/>
-          <a:p>
-            <a:r>
-              <a:rPr lang="en-US" dirty="0"/>
-              <a:t>#Conventional techniques are not adequate to solve the problem of massive oil spills.</a:t>
-            </a:r>
-          </a:p>
-          <a:p>
-            <a:r>
-              <a:rPr lang="en-US" dirty="0"/>
-              <a:t>  In recent years, nanotechnology has emerged as a potential source of novel solutions to many of the </a:t>
-            </a:r>
-          </a:p>
-          <a:p>
-            <a:r>
-              <a:rPr lang="en-US" dirty="0"/>
-              <a:t>  world’s outstanding problems. </a:t>
-            </a:r>
-          </a:p>
-        </p:txBody>
-      </p:sp>
+          <a:ln>
+            <a:noFill/>
+          </a:ln>
+        </p:spPr>
+      </p:pic>
     </p:spTree>
     <p:extLst>
       <p:ext uri="{BB962C8B-B14F-4D97-AF65-F5344CB8AC3E}">
-        <p14:creationId xmlns:p14="http://schemas.microsoft.com/office/powerpoint/2010/main" val="3688080195"/>
+        <p14:creationId xmlns:p14="http://schemas.microsoft.com/office/powerpoint/2010/main" val="4035833450"/>
       </p:ext>
     </p:extLst>
   </p:cSld>
@@ -6333,8 +6324,8 @@
         </p:nvSpPr>
         <p:spPr>
           <a:xfrm>
-            <a:off x="508661" y="549069"/>
-            <a:ext cx="10364451" cy="805168"/>
+            <a:off x="312517" y="618517"/>
+            <a:ext cx="11227442" cy="1596177"/>
           </a:xfrm>
         </p:spPr>
         <p:txBody>
@@ -6343,7 +6334,7 @@
           <a:p>
             <a:r>
               <a:rPr lang="en-US" dirty="0"/>
-              <a:t>Nanomaterials for oil Spill cleanup</a:t>
+              <a:t> Other proposed solutions for oil spill</a:t>
             </a:r>
           </a:p>
         </p:txBody>
@@ -6358,267 +6349,129 @@
             <p:ph sz="quarter" idx="13"/>
           </p:nvPr>
         </p:nvSpPr>
-        <p:spPr>
-          <a:xfrm>
-            <a:off x="1161354" y="1476084"/>
-            <a:ext cx="10083354" cy="5170445"/>
-          </a:xfrm>
-        </p:spPr>
-        <p:txBody>
-          <a:bodyPr>
-            <a:normAutofit/>
-          </a:bodyPr>
-          <a:lstStyle/>
-          <a:p>
-            <a:pPr marL="0" indent="0">
-              <a:buNone/>
-            </a:pPr>
-            <a:r>
-              <a:rPr lang="en-US" b="1" u="sng" dirty="0">
-                <a:solidFill>
-                  <a:schemeClr val="accent1"/>
-                </a:solidFill>
-              </a:rPr>
-              <a:t>Aerogels</a:t>
-            </a:r>
-          </a:p>
-          <a:p>
-            <a:pPr marL="0" indent="0">
-              <a:buNone/>
-            </a:pPr>
+        <p:spPr/>
+        <p:txBody>
+          <a:bodyPr/>
+          <a:lstStyle/>
+          <a:p>
+            <a:r>
+              <a:rPr lang="en-US" dirty="0"/>
+              <a:t>Use of </a:t>
+            </a:r>
             <a:r>
               <a:rPr lang="en-US" dirty="0">
                 <a:solidFill>
-                  <a:schemeClr val="accent1"/>
-                </a:solidFill>
-              </a:rPr>
-              <a:t>-</a:t>
-            </a:r>
-            <a:r>
-              <a:rPr lang="en-US" sz="1600" dirty="0">
-                <a:solidFill>
-                  <a:schemeClr val="accent1"/>
-                </a:solidFill>
-              </a:rPr>
-              <a:t>Hydrophobic Aerogel</a:t>
-            </a:r>
-          </a:p>
-          <a:p>
-            <a:pPr marL="0" indent="0">
-              <a:buNone/>
-            </a:pPr>
-            <a:r>
-              <a:rPr lang="en-US" sz="1600" dirty="0">
-                <a:solidFill>
-                  <a:schemeClr val="accent1"/>
-                </a:solidFill>
-              </a:rPr>
-              <a:t>-</a:t>
-            </a:r>
-            <a:r>
-              <a:rPr lang="en-US" sz="1600" dirty="0" err="1">
-                <a:solidFill>
-                  <a:schemeClr val="accent1"/>
-                </a:solidFill>
-              </a:rPr>
-              <a:t>Aeroclays</a:t>
-            </a:r>
-            <a:endParaRPr lang="en-US" sz="1600" dirty="0">
-              <a:solidFill>
-                <a:schemeClr val="accent1"/>
-              </a:solidFill>
-            </a:endParaRPr>
-          </a:p>
-          <a:p>
-            <a:pPr marL="0" indent="0">
-              <a:buNone/>
-            </a:pPr>
-            <a:r>
-              <a:rPr lang="en-US" sz="1600" dirty="0">
-                <a:solidFill>
-                  <a:schemeClr val="accent1"/>
-                </a:solidFill>
-              </a:rPr>
-              <a:t>-Rice husk derived silica  aerogel</a:t>
-            </a:r>
-          </a:p>
-          <a:p>
-            <a:pPr marL="0" indent="0">
-              <a:buNone/>
-            </a:pPr>
-            <a:r>
-              <a:rPr lang="en-US" b="1" u="sng" dirty="0" err="1">
-                <a:solidFill>
-                  <a:schemeClr val="accent5"/>
-                </a:solidFill>
-              </a:rPr>
-              <a:t>Nanodispersants</a:t>
-            </a:r>
-            <a:endParaRPr lang="en-US" b="1" u="sng" dirty="0">
-              <a:solidFill>
-                <a:schemeClr val="accent5"/>
-              </a:solidFill>
-            </a:endParaRPr>
-          </a:p>
-          <a:p>
-            <a:pPr marL="0" indent="0">
-              <a:buNone/>
-            </a:pPr>
-            <a:r>
-              <a:rPr lang="en-US" sz="1600" dirty="0">
-                <a:solidFill>
-                  <a:schemeClr val="accent5"/>
-                </a:solidFill>
-              </a:rPr>
-              <a:t>-Micelles forming</a:t>
-            </a:r>
-          </a:p>
-          <a:p>
-            <a:pPr marL="0" indent="0">
-              <a:buNone/>
-            </a:pPr>
-            <a:r>
-              <a:rPr lang="en-US" sz="1600" dirty="0">
-                <a:solidFill>
-                  <a:schemeClr val="accent5"/>
-                </a:solidFill>
-              </a:rPr>
-              <a:t>-Colloidal solution of bio- based chemicals</a:t>
-            </a:r>
-          </a:p>
-          <a:p>
-            <a:pPr marL="0" indent="0">
-              <a:buNone/>
-            </a:pPr>
-            <a:r>
-              <a:rPr lang="en-US" b="1" u="sng" dirty="0">
-                <a:solidFill>
-                  <a:schemeClr val="accent2">
+                  <a:schemeClr val="accent3">
                     <a:lumMod val="75000"/>
                   </a:schemeClr>
                 </a:solidFill>
               </a:rPr>
-              <a:t>Magnetic Nanocomposites </a:t>
-            </a:r>
-          </a:p>
-          <a:p>
-            <a:pPr marL="0" indent="0">
-              <a:buNone/>
-            </a:pPr>
-            <a:r>
-              <a:rPr lang="en-US" sz="1600" dirty="0">
+              <a:t>microorganisms</a:t>
+            </a:r>
+            <a:r>
+              <a:rPr lang="en-US" dirty="0"/>
+              <a:t> to digest the oil</a:t>
+            </a:r>
+          </a:p>
+          <a:p>
+            <a:r>
+              <a:rPr lang="en-US" dirty="0">
                 <a:solidFill>
-                  <a:schemeClr val="accent2">
+                  <a:schemeClr val="accent3">
                     <a:lumMod val="75000"/>
                   </a:schemeClr>
                 </a:solidFill>
               </a:rPr>
-              <a:t>-Nano-hybrids of magnetic Fe-oxide NPs in </a:t>
-            </a:r>
-            <a:r>
-              <a:rPr lang="en-US" sz="1600" dirty="0" err="1">
+              <a:t>Mechanical means </a:t>
+            </a:r>
+            <a:r>
+              <a:rPr lang="en-US" dirty="0"/>
+              <a:t>like skimmers, booms, pumps, mechanical separators</a:t>
+            </a:r>
+          </a:p>
+          <a:p>
+            <a:r>
+              <a:rPr lang="en-US" dirty="0">
                 <a:solidFill>
-                  <a:schemeClr val="accent2">
+                  <a:schemeClr val="accent3">
                     <a:lumMod val="75000"/>
                   </a:schemeClr>
                 </a:solidFill>
               </a:rPr>
-              <a:t>organo</a:t>
-            </a:r>
-            <a:r>
-              <a:rPr lang="en-US" sz="1600" dirty="0">
+              <a:t>Sorbents</a:t>
+            </a:r>
+            <a:r>
+              <a:rPr lang="en-US" dirty="0"/>
+              <a:t> to remove oil from water through adsorption and/or absorption</a:t>
+            </a:r>
+          </a:p>
+          <a:p>
+            <a:r>
+              <a:rPr lang="en-US" dirty="0"/>
+              <a:t>Use of </a:t>
+            </a:r>
+            <a:r>
+              <a:rPr lang="en-US" dirty="0">
                 <a:solidFill>
-                  <a:schemeClr val="accent2">
+                  <a:schemeClr val="accent3">
                     <a:lumMod val="75000"/>
                   </a:schemeClr>
                 </a:solidFill>
               </a:rPr>
-              <a:t>-clays</a:t>
-            </a:r>
-          </a:p>
-          <a:p>
-            <a:pPr marL="0" indent="0">
-              <a:buNone/>
-            </a:pPr>
-            <a:r>
-              <a:rPr lang="en-US" sz="1600" dirty="0">
-                <a:solidFill>
-                  <a:schemeClr val="accent2">
-                    <a:lumMod val="75000"/>
-                  </a:schemeClr>
-                </a:solidFill>
-              </a:rPr>
-              <a:t>-Magnetic carbon-metal nanocomposites</a:t>
-            </a:r>
-          </a:p>
-          <a:p>
-            <a:pPr lvl="1">
-              <a:buFontTx/>
-              <a:buChar char="-"/>
-            </a:pPr>
-            <a:endParaRPr lang="en-US" dirty="0">
-              <a:solidFill>
-                <a:schemeClr val="accent2">
-                  <a:lumMod val="75000"/>
-                </a:schemeClr>
-              </a:solidFill>
-            </a:endParaRPr>
-          </a:p>
-          <a:p>
-            <a:pPr lvl="1">
-              <a:buFontTx/>
-              <a:buChar char="-"/>
-            </a:pPr>
-            <a:endParaRPr lang="en-US" dirty="0"/>
-          </a:p>
-          <a:p>
-            <a:pPr lvl="1">
-              <a:buFontTx/>
-              <a:buChar char="-"/>
-            </a:pPr>
-            <a:endParaRPr lang="en-US" dirty="0"/>
-          </a:p>
-          <a:p>
-            <a:pPr lvl="1">
-              <a:buFontTx/>
-              <a:buChar char="-"/>
-            </a:pPr>
-            <a:endParaRPr lang="en-US" dirty="0"/>
-          </a:p>
-          <a:p>
-            <a:pPr lvl="1">
-              <a:buFontTx/>
-              <a:buChar char="-"/>
-            </a:pPr>
-            <a:endParaRPr lang="en-US" dirty="0"/>
-          </a:p>
-          <a:p>
-            <a:pPr lvl="1">
-              <a:buFontTx/>
-              <a:buChar char="-"/>
-            </a:pPr>
-            <a:endParaRPr lang="en-US" dirty="0"/>
-          </a:p>
-          <a:p>
-            <a:pPr lvl="1">
-              <a:buFontTx/>
-              <a:buChar char="-"/>
-            </a:pPr>
-            <a:endParaRPr lang="en-US" dirty="0"/>
-          </a:p>
-          <a:p>
-            <a:pPr lvl="1">
-              <a:buFontTx/>
-              <a:buChar char="-"/>
-            </a:pPr>
-            <a:endParaRPr lang="en-US" dirty="0"/>
+              <a:t>chemical dispersants </a:t>
+            </a:r>
+            <a:r>
+              <a:rPr lang="en-US" dirty="0"/>
+              <a:t>like detergents</a:t>
+            </a:r>
+          </a:p>
+        </p:txBody>
+      </p:sp>
+      <p:sp>
+        <p:nvSpPr>
+          <p:cNvPr id="4" name="TextBox 3"/>
+          <p:cNvSpPr txBox="1"/>
+          <p:nvPr/>
+        </p:nvSpPr>
+        <p:spPr>
+          <a:xfrm>
+            <a:off x="358190" y="5421867"/>
+            <a:ext cx="11941089" cy="923330"/>
+          </a:xfrm>
+          <a:prstGeom prst="rect">
+            <a:avLst/>
+          </a:prstGeom>
+          <a:noFill/>
+        </p:spPr>
+        <p:txBody>
+          <a:bodyPr wrap="none" rtlCol="0">
+            <a:spAutoFit/>
+          </a:bodyPr>
+          <a:lstStyle/>
+          <a:p>
+            <a:r>
+              <a:rPr lang="en-US" dirty="0"/>
+              <a:t>#Conventional techniques are not adequate to solve the problem of massive oil spills.</a:t>
+            </a:r>
+          </a:p>
+          <a:p>
+            <a:r>
+              <a:rPr lang="en-US" dirty="0"/>
+              <a:t>  In recent years, nanotechnology has emerged as a potential source of novel solutions to many of the </a:t>
+            </a:r>
+          </a:p>
+          <a:p>
+            <a:r>
+              <a:rPr lang="en-US" dirty="0"/>
+              <a:t>  world’s outstanding problems. </a:t>
+            </a:r>
           </a:p>
         </p:txBody>
       </p:sp>
     </p:spTree>
     <p:extLst>
       <p:ext uri="{BB962C8B-B14F-4D97-AF65-F5344CB8AC3E}">
-        <p14:creationId xmlns:p14="http://schemas.microsoft.com/office/powerpoint/2010/main" val="2037138243"/>
+        <p14:creationId xmlns:p14="http://schemas.microsoft.com/office/powerpoint/2010/main" val="3688080195"/>
       </p:ext>
     </p:extLst>
   </p:cSld>
@@ -6657,8 +6510,8 @@
         </p:nvSpPr>
         <p:spPr>
           <a:xfrm>
-            <a:off x="913775" y="247651"/>
-            <a:ext cx="10364451" cy="800099"/>
+            <a:off x="508661" y="549069"/>
+            <a:ext cx="10364451" cy="805168"/>
           </a:xfrm>
         </p:spPr>
         <p:txBody>
@@ -6667,38 +6520,282 @@
           <a:p>
             <a:r>
               <a:rPr lang="en-US" dirty="0"/>
-              <a:t>Oil Spill 1970 - 2015</a:t>
-            </a:r>
-          </a:p>
-        </p:txBody>
-      </p:sp>
-      <p:pic>
-        <p:nvPicPr>
-          <p:cNvPr id="4" name="Content Placeholder 3"/>
-          <p:cNvPicPr>
-            <a:picLocks noGrp="1" noChangeAspect="1"/>
-          </p:cNvPicPr>
+              <a:t>Nanomaterials for oil Spill cleanup</a:t>
+            </a:r>
+          </a:p>
+        </p:txBody>
+      </p:sp>
+      <p:sp>
+        <p:nvSpPr>
+          <p:cNvPr id="3" name="Content Placeholder 2"/>
+          <p:cNvSpPr>
+            <a:spLocks noGrp="1"/>
+          </p:cNvSpPr>
           <p:nvPr>
             <p:ph sz="quarter" idx="13"/>
           </p:nvPr>
-        </p:nvPicPr>
-        <p:blipFill>
-          <a:blip r:embed="rId2"/>
-          <a:stretch>
-            <a:fillRect/>
-          </a:stretch>
-        </p:blipFill>
-        <p:spPr>
-          <a:xfrm>
-            <a:off x="913774" y="971550"/>
-            <a:ext cx="10364451" cy="5886450"/>
-          </a:xfrm>
-        </p:spPr>
-      </p:pic>
+        </p:nvSpPr>
+        <p:spPr>
+          <a:xfrm>
+            <a:off x="1161354" y="1476084"/>
+            <a:ext cx="10083354" cy="5170445"/>
+          </a:xfrm>
+        </p:spPr>
+        <p:txBody>
+          <a:bodyPr>
+            <a:normAutofit/>
+          </a:bodyPr>
+          <a:lstStyle/>
+          <a:p>
+            <a:pPr marL="0" indent="0">
+              <a:buNone/>
+            </a:pPr>
+            <a:r>
+              <a:rPr lang="en-US" b="1" u="sng" dirty="0">
+                <a:solidFill>
+                  <a:schemeClr val="accent1"/>
+                </a:solidFill>
+              </a:rPr>
+              <a:t>Aerogels</a:t>
+            </a:r>
+          </a:p>
+          <a:p>
+            <a:pPr marL="0" indent="0">
+              <a:buNone/>
+            </a:pPr>
+            <a:r>
+              <a:rPr lang="en-US" dirty="0">
+                <a:solidFill>
+                  <a:schemeClr val="accent1"/>
+                </a:solidFill>
+              </a:rPr>
+              <a:t>-</a:t>
+            </a:r>
+            <a:r>
+              <a:rPr lang="en-US" sz="1600" dirty="0">
+                <a:solidFill>
+                  <a:schemeClr val="accent1"/>
+                </a:solidFill>
+              </a:rPr>
+              <a:t>Hydrophobic Aerogel</a:t>
+            </a:r>
+          </a:p>
+          <a:p>
+            <a:pPr marL="0" indent="0">
+              <a:buNone/>
+            </a:pPr>
+            <a:r>
+              <a:rPr lang="en-US" sz="1600" dirty="0">
+                <a:solidFill>
+                  <a:schemeClr val="accent1"/>
+                </a:solidFill>
+              </a:rPr>
+              <a:t>-</a:t>
+            </a:r>
+            <a:r>
+              <a:rPr lang="en-US" sz="1600" dirty="0" err="1">
+                <a:solidFill>
+                  <a:schemeClr val="accent1"/>
+                </a:solidFill>
+              </a:rPr>
+              <a:t>Aeroclays</a:t>
+            </a:r>
+            <a:endParaRPr lang="en-US" sz="1600" dirty="0">
+              <a:solidFill>
+                <a:schemeClr val="accent1"/>
+              </a:solidFill>
+            </a:endParaRPr>
+          </a:p>
+          <a:p>
+            <a:pPr marL="0" indent="0">
+              <a:buNone/>
+            </a:pPr>
+            <a:r>
+              <a:rPr lang="en-US" sz="1600" dirty="0">
+                <a:solidFill>
+                  <a:schemeClr val="accent1"/>
+                </a:solidFill>
+              </a:rPr>
+              <a:t>-Rice husk derived silica  aerogel</a:t>
+            </a:r>
+          </a:p>
+          <a:p>
+            <a:pPr marL="0" indent="0">
+              <a:buNone/>
+            </a:pPr>
+            <a:r>
+              <a:rPr lang="en-US" b="1" u="sng" dirty="0" err="1">
+                <a:solidFill>
+                  <a:schemeClr val="accent5"/>
+                </a:solidFill>
+              </a:rPr>
+              <a:t>Nanodispersants</a:t>
+            </a:r>
+            <a:endParaRPr lang="en-US" b="1" u="sng" dirty="0">
+              <a:solidFill>
+                <a:schemeClr val="accent5"/>
+              </a:solidFill>
+            </a:endParaRPr>
+          </a:p>
+          <a:p>
+            <a:pPr marL="0" indent="0">
+              <a:buNone/>
+            </a:pPr>
+            <a:r>
+              <a:rPr lang="en-US" sz="1600" dirty="0">
+                <a:solidFill>
+                  <a:schemeClr val="accent5"/>
+                </a:solidFill>
+              </a:rPr>
+              <a:t>-Micelles forming</a:t>
+            </a:r>
+          </a:p>
+          <a:p>
+            <a:pPr marL="0" indent="0">
+              <a:buNone/>
+            </a:pPr>
+            <a:r>
+              <a:rPr lang="en-US" sz="1600" dirty="0">
+                <a:solidFill>
+                  <a:schemeClr val="accent5"/>
+                </a:solidFill>
+              </a:rPr>
+              <a:t>-Colloidal solution of bio- based chemicals</a:t>
+            </a:r>
+          </a:p>
+          <a:p>
+            <a:pPr marL="0" indent="0">
+              <a:buNone/>
+            </a:pPr>
+            <a:r>
+              <a:rPr lang="en-US" b="1" u="sng" dirty="0">
+                <a:solidFill>
+                  <a:schemeClr val="accent2">
+                    <a:lumMod val="75000"/>
+                  </a:schemeClr>
+                </a:solidFill>
+              </a:rPr>
+              <a:t>Magnetic Nanocomposites </a:t>
+            </a:r>
+          </a:p>
+          <a:p>
+            <a:pPr marL="0" indent="0">
+              <a:buNone/>
+            </a:pPr>
+            <a:r>
+              <a:rPr lang="en-US" sz="1600" dirty="0">
+                <a:solidFill>
+                  <a:schemeClr val="accent2">
+                    <a:lumMod val="75000"/>
+                  </a:schemeClr>
+                </a:solidFill>
+              </a:rPr>
+              <a:t>-Nano-hybrids of magnetic Fe-oxide NPs in </a:t>
+            </a:r>
+            <a:r>
+              <a:rPr lang="en-US" sz="1600" dirty="0" err="1">
+                <a:solidFill>
+                  <a:schemeClr val="accent2">
+                    <a:lumMod val="75000"/>
+                  </a:schemeClr>
+                </a:solidFill>
+              </a:rPr>
+              <a:t>organo</a:t>
+            </a:r>
+            <a:r>
+              <a:rPr lang="en-US" sz="1600" dirty="0">
+                <a:solidFill>
+                  <a:schemeClr val="accent2">
+                    <a:lumMod val="75000"/>
+                  </a:schemeClr>
+                </a:solidFill>
+              </a:rPr>
+              <a:t>-clays</a:t>
+            </a:r>
+          </a:p>
+          <a:p>
+            <a:pPr marL="0" indent="0">
+              <a:buNone/>
+            </a:pPr>
+            <a:r>
+              <a:rPr lang="en-US" sz="1600" dirty="0">
+                <a:solidFill>
+                  <a:schemeClr val="accent2">
+                    <a:lumMod val="75000"/>
+                  </a:schemeClr>
+                </a:solidFill>
+              </a:rPr>
+              <a:t>-Magnetic carbon-metal nanocomposites</a:t>
+            </a:r>
+          </a:p>
+          <a:p>
+            <a:pPr lvl="1">
+              <a:buFontTx/>
+              <a:buChar char="-"/>
+            </a:pPr>
+            <a:endParaRPr lang="en-US" dirty="0">
+              <a:solidFill>
+                <a:schemeClr val="accent2">
+                  <a:lumMod val="75000"/>
+                </a:schemeClr>
+              </a:solidFill>
+            </a:endParaRPr>
+          </a:p>
+          <a:p>
+            <a:pPr lvl="1">
+              <a:buFontTx/>
+              <a:buChar char="-"/>
+            </a:pPr>
+            <a:endParaRPr lang="en-US" dirty="0"/>
+          </a:p>
+          <a:p>
+            <a:pPr lvl="1">
+              <a:buFontTx/>
+              <a:buChar char="-"/>
+            </a:pPr>
+            <a:endParaRPr lang="en-US" dirty="0"/>
+          </a:p>
+          <a:p>
+            <a:pPr lvl="1">
+              <a:buFontTx/>
+              <a:buChar char="-"/>
+            </a:pPr>
+            <a:endParaRPr lang="en-US" dirty="0"/>
+          </a:p>
+          <a:p>
+            <a:pPr lvl="1">
+              <a:buFontTx/>
+              <a:buChar char="-"/>
+            </a:pPr>
+            <a:endParaRPr lang="en-US" dirty="0"/>
+          </a:p>
+          <a:p>
+            <a:pPr lvl="1">
+              <a:buFontTx/>
+              <a:buChar char="-"/>
+            </a:pPr>
+            <a:endParaRPr lang="en-US" dirty="0"/>
+          </a:p>
+          <a:p>
+            <a:pPr lvl="1">
+              <a:buFontTx/>
+              <a:buChar char="-"/>
+            </a:pPr>
+            <a:endParaRPr lang="en-US" dirty="0"/>
+          </a:p>
+          <a:p>
+            <a:pPr lvl="1">
+              <a:buFontTx/>
+              <a:buChar char="-"/>
+            </a:pPr>
+            <a:endParaRPr lang="en-US" dirty="0"/>
+          </a:p>
+        </p:txBody>
+      </p:sp>
     </p:spTree>
     <p:extLst>
       <p:ext uri="{BB962C8B-B14F-4D97-AF65-F5344CB8AC3E}">
-        <p14:creationId xmlns:p14="http://schemas.microsoft.com/office/powerpoint/2010/main" val="3797769997"/>
+        <p14:creationId xmlns:p14="http://schemas.microsoft.com/office/powerpoint/2010/main" val="2037138243"/>
       </p:ext>
     </p:extLst>
   </p:cSld>
@@ -6725,6 +6822,221 @@
           <a:chExt cx="0" cy="0"/>
         </a:xfrm>
       </p:grpSpPr>
+      <p:pic>
+        <p:nvPicPr>
+          <p:cNvPr id="4" name="Content Placeholder 3"/>
+          <p:cNvPicPr>
+            <a:picLocks noGrp="1" noChangeAspect="1"/>
+          </p:cNvPicPr>
+          <p:nvPr>
+            <p:ph sz="quarter" idx="13"/>
+          </p:nvPr>
+        </p:nvPicPr>
+        <p:blipFill>
+          <a:blip r:embed="rId2"/>
+          <a:stretch>
+            <a:fillRect/>
+          </a:stretch>
+        </p:blipFill>
+        <p:spPr>
+          <a:xfrm>
+            <a:off x="1934308" y="279118"/>
+            <a:ext cx="8396653" cy="6148060"/>
+          </a:xfrm>
+        </p:spPr>
+      </p:pic>
+    </p:spTree>
+    <p:extLst>
+      <p:ext uri="{BB962C8B-B14F-4D97-AF65-F5344CB8AC3E}">
+        <p14:creationId xmlns:p14="http://schemas.microsoft.com/office/powerpoint/2010/main" val="2312143775"/>
+      </p:ext>
+    </p:extLst>
+  </p:cSld>
+  <p:clrMapOvr>
+    <a:masterClrMapping/>
+  </p:clrMapOvr>
+</p:sld>
+</file>
+
+<file path=ppt/slides/slide14.xml><?xml version="1.0" encoding="utf-8"?>
+<p:sld xmlns:a="http://schemas.openxmlformats.org/drawingml/2006/main" xmlns:r="http://schemas.openxmlformats.org/officeDocument/2006/relationships" xmlns:p="http://schemas.openxmlformats.org/presentationml/2006/main">
+  <p:cSld>
+    <p:spTree>
+      <p:nvGrpSpPr>
+        <p:cNvPr id="1" name=""/>
+        <p:cNvGrpSpPr/>
+        <p:nvPr/>
+      </p:nvGrpSpPr>
+      <p:grpSpPr>
+        <a:xfrm>
+          <a:off x="0" y="0"/>
+          <a:ext cx="0" cy="0"/>
+          <a:chOff x="0" y="0"/>
+          <a:chExt cx="0" cy="0"/>
+        </a:xfrm>
+      </p:grpSpPr>
+      <p:sp>
+        <p:nvSpPr>
+          <p:cNvPr id="2" name="Title 1"/>
+          <p:cNvSpPr>
+            <a:spLocks noGrp="1"/>
+          </p:cNvSpPr>
+          <p:nvPr>
+            <p:ph type="title"/>
+          </p:nvPr>
+        </p:nvSpPr>
+        <p:spPr>
+          <a:xfrm>
+            <a:off x="913775" y="247651"/>
+            <a:ext cx="10364451" cy="800099"/>
+          </a:xfrm>
+        </p:spPr>
+        <p:txBody>
+          <a:bodyPr/>
+          <a:lstStyle/>
+          <a:p>
+            <a:r>
+              <a:rPr lang="en-US" dirty="0"/>
+              <a:t>Oil Spill 1970 - 2015</a:t>
+            </a:r>
+          </a:p>
+        </p:txBody>
+      </p:sp>
+      <p:pic>
+        <p:nvPicPr>
+          <p:cNvPr id="4" name="Content Placeholder 3"/>
+          <p:cNvPicPr>
+            <a:picLocks noGrp="1" noChangeAspect="1"/>
+          </p:cNvPicPr>
+          <p:nvPr>
+            <p:ph sz="quarter" idx="13"/>
+          </p:nvPr>
+        </p:nvPicPr>
+        <p:blipFill>
+          <a:blip r:embed="rId2"/>
+          <a:stretch>
+            <a:fillRect/>
+          </a:stretch>
+        </p:blipFill>
+        <p:spPr>
+          <a:xfrm>
+            <a:off x="913774" y="971550"/>
+            <a:ext cx="10364451" cy="5886450"/>
+          </a:xfrm>
+        </p:spPr>
+      </p:pic>
+    </p:spTree>
+    <p:extLst>
+      <p:ext uri="{BB962C8B-B14F-4D97-AF65-F5344CB8AC3E}">
+        <p14:creationId xmlns:p14="http://schemas.microsoft.com/office/powerpoint/2010/main" val="3797769997"/>
+      </p:ext>
+    </p:extLst>
+  </p:cSld>
+  <p:clrMapOvr>
+    <a:masterClrMapping/>
+  </p:clrMapOvr>
+</p:sld>
+</file>
+
+<file path=ppt/slides/slide15.xml><?xml version="1.0" encoding="utf-8"?>
+<p:sld xmlns:a="http://schemas.openxmlformats.org/drawingml/2006/main" xmlns:r="http://schemas.openxmlformats.org/officeDocument/2006/relationships" xmlns:p="http://schemas.openxmlformats.org/presentationml/2006/main">
+  <p:cSld>
+    <p:spTree>
+      <p:nvGrpSpPr>
+        <p:cNvPr id="1" name=""/>
+        <p:cNvGrpSpPr/>
+        <p:nvPr/>
+      </p:nvGrpSpPr>
+      <p:grpSpPr>
+        <a:xfrm>
+          <a:off x="0" y="0"/>
+          <a:ext cx="0" cy="0"/>
+          <a:chOff x="0" y="0"/>
+          <a:chExt cx="0" cy="0"/>
+        </a:xfrm>
+      </p:grpSpPr>
+      <p:pic>
+        <p:nvPicPr>
+          <p:cNvPr id="4" name="Content Placeholder 3"/>
+          <p:cNvPicPr>
+            <a:picLocks noGrp="1" noChangeAspect="1"/>
+          </p:cNvPicPr>
+          <p:nvPr>
+            <p:ph sz="quarter" idx="13"/>
+          </p:nvPr>
+        </p:nvPicPr>
+        <p:blipFill>
+          <a:blip r:embed="rId2"/>
+          <a:stretch>
+            <a:fillRect/>
+          </a:stretch>
+        </p:blipFill>
+        <p:spPr>
+          <a:xfrm>
+            <a:off x="1644162" y="1223962"/>
+            <a:ext cx="8845061" cy="5216866"/>
+          </a:xfrm>
+        </p:spPr>
+      </p:pic>
+      <p:sp>
+        <p:nvSpPr>
+          <p:cNvPr id="6" name="TextBox 5"/>
+          <p:cNvSpPr txBox="1"/>
+          <p:nvPr/>
+        </p:nvSpPr>
+        <p:spPr>
+          <a:xfrm>
+            <a:off x="3692769" y="668215"/>
+            <a:ext cx="5372100" cy="707886"/>
+          </a:xfrm>
+          <a:prstGeom prst="rect">
+            <a:avLst/>
+          </a:prstGeom>
+          <a:noFill/>
+        </p:spPr>
+        <p:txBody>
+          <a:bodyPr wrap="square" rtlCol="0">
+            <a:spAutoFit/>
+          </a:bodyPr>
+          <a:lstStyle/>
+          <a:p>
+            <a:r>
+              <a:rPr lang="en-US" sz="4000" dirty="0"/>
+              <a:t>Trend of Oil Spill</a:t>
+            </a:r>
+          </a:p>
+        </p:txBody>
+      </p:sp>
+    </p:spTree>
+    <p:extLst>
+      <p:ext uri="{BB962C8B-B14F-4D97-AF65-F5344CB8AC3E}">
+        <p14:creationId xmlns:p14="http://schemas.microsoft.com/office/powerpoint/2010/main" val="4195777676"/>
+      </p:ext>
+    </p:extLst>
+  </p:cSld>
+  <p:clrMapOvr>
+    <a:masterClrMapping/>
+  </p:clrMapOvr>
+</p:sld>
+</file>
+
+<file path=ppt/slides/slide16.xml><?xml version="1.0" encoding="utf-8"?>
+<p:sld xmlns:a="http://schemas.openxmlformats.org/drawingml/2006/main" xmlns:r="http://schemas.openxmlformats.org/officeDocument/2006/relationships" xmlns:p="http://schemas.openxmlformats.org/presentationml/2006/main">
+  <p:cSld>
+    <p:spTree>
+      <p:nvGrpSpPr>
+        <p:cNvPr id="1" name=""/>
+        <p:cNvGrpSpPr/>
+        <p:nvPr/>
+      </p:nvGrpSpPr>
+      <p:grpSpPr>
+        <a:xfrm>
+          <a:off x="0" y="0"/>
+          <a:ext cx="0" cy="0"/>
+          <a:chOff x="0" y="0"/>
+          <a:chExt cx="0" cy="0"/>
+        </a:xfrm>
+      </p:grpSpPr>
       <p:sp>
         <p:nvSpPr>
           <p:cNvPr id="2" name="Title 1"/>
@@ -6765,7 +7077,7 @@
         <p:spPr>
           <a:xfrm>
             <a:off x="913774" y="1414272"/>
-            <a:ext cx="10363826" cy="4535424"/>
+            <a:ext cx="10363826" cy="5443728"/>
           </a:xfrm>
         </p:spPr>
         <p:txBody>
@@ -6778,15 +7090,15 @@
               <a:buNone/>
             </a:pPr>
             <a:r>
-              <a:rPr lang="en-US" sz="1400" dirty="0"/>
+              <a:rPr lang="en-US" sz="4800" dirty="0"/>
               <a:t>library(</a:t>
             </a:r>
             <a:r>
-              <a:rPr lang="en-US" sz="1400" dirty="0" err="1"/>
+              <a:rPr lang="en-US" sz="4800" dirty="0" err="1"/>
               <a:t>dplyr</a:t>
             </a:r>
             <a:r>
-              <a:rPr lang="en-US" sz="1400" dirty="0"/>
+              <a:rPr lang="en-US" sz="4800" dirty="0"/>
               <a:t>)</a:t>
             </a:r>
           </a:p>
@@ -6795,11 +7107,11 @@
               <a:buNone/>
             </a:pPr>
             <a:r>
-              <a:rPr lang="en-US" sz="1400" dirty="0" err="1"/>
+              <a:rPr lang="en-US" sz="4800" dirty="0" err="1"/>
               <a:t>AirFatal</a:t>
             </a:r>
             <a:r>
-              <a:rPr lang="en-US" sz="1400" dirty="0"/>
+              <a:rPr lang="en-US" sz="4800" dirty="0"/>
               <a:t> &lt;- read.csv('AirPlaneFatal.csv')</a:t>
             </a:r>
           </a:p>
@@ -6808,27 +7120,27 @@
               <a:buNone/>
             </a:pPr>
             <a:r>
-              <a:rPr lang="en-US" sz="1400" dirty="0" err="1"/>
+              <a:rPr lang="en-US" sz="4800" dirty="0" err="1"/>
               <a:t>By_Operator</a:t>
             </a:r>
             <a:r>
-              <a:rPr lang="en-US" sz="1400" dirty="0"/>
+              <a:rPr lang="en-US" sz="4800" dirty="0"/>
               <a:t> &lt;- </a:t>
             </a:r>
             <a:r>
-              <a:rPr lang="en-US" sz="1400" dirty="0" err="1"/>
+              <a:rPr lang="en-US" sz="4800" dirty="0" err="1"/>
               <a:t>group_by</a:t>
             </a:r>
             <a:r>
-              <a:rPr lang="en-US" sz="1400" dirty="0"/>
+              <a:rPr lang="en-US" sz="4800" dirty="0"/>
               <a:t>(</a:t>
             </a:r>
             <a:r>
-              <a:rPr lang="en-US" sz="1400" dirty="0" err="1"/>
+              <a:rPr lang="en-US" sz="4800" dirty="0" err="1"/>
               <a:t>AirFatal</a:t>
             </a:r>
             <a:r>
-              <a:rPr lang="en-US" sz="1400" dirty="0"/>
+              <a:rPr lang="en-US" sz="4800" dirty="0"/>
               <a:t>, Operator) %&gt;%</a:t>
             </a:r>
           </a:p>
@@ -6837,23 +7149,23 @@
               <a:buNone/>
             </a:pPr>
             <a:r>
-              <a:rPr lang="en-US" sz="1400" dirty="0"/>
+              <a:rPr lang="en-US" sz="4800" dirty="0"/>
               <a:t>  </a:t>
             </a:r>
             <a:r>
-              <a:rPr lang="en-US" sz="1400" dirty="0" err="1"/>
+              <a:rPr lang="en-US" sz="4800" dirty="0" err="1"/>
               <a:t>summarise</a:t>
             </a:r>
             <a:r>
-              <a:rPr lang="en-US" sz="1400" dirty="0"/>
+              <a:rPr lang="en-US" sz="4800" dirty="0"/>
               <a:t>(</a:t>
             </a:r>
             <a:r>
-              <a:rPr lang="en-US" sz="1400" dirty="0" err="1"/>
+              <a:rPr lang="en-US" sz="4800" dirty="0" err="1"/>
               <a:t>Sum.Fatalies</a:t>
             </a:r>
             <a:r>
-              <a:rPr lang="en-US" sz="1400" dirty="0"/>
+              <a:rPr lang="en-US" sz="4800" dirty="0"/>
               <a:t> = sum(Fatalities),</a:t>
             </a:r>
           </a:p>
@@ -6862,15 +7174,15 @@
               <a:buNone/>
             </a:pPr>
             <a:r>
-              <a:rPr lang="en-US" sz="1400" dirty="0"/>
+              <a:rPr lang="en-US" sz="4800" dirty="0"/>
               <a:t>            </a:t>
             </a:r>
             <a:r>
-              <a:rPr lang="en-US" sz="1400" dirty="0" err="1"/>
+              <a:rPr lang="en-US" sz="4800" dirty="0" err="1"/>
               <a:t>Sum.Aboard</a:t>
             </a:r>
             <a:r>
-              <a:rPr lang="en-US" sz="1400" dirty="0"/>
+              <a:rPr lang="en-US" sz="4800" dirty="0"/>
               <a:t> = sum(Aboard),</a:t>
             </a:r>
           </a:p>
@@ -6879,7 +7191,7 @@
               <a:buNone/>
             </a:pPr>
             <a:r>
-              <a:rPr lang="en-US" sz="1400" dirty="0"/>
+              <a:rPr lang="en-US" sz="4800" dirty="0"/>
               <a:t>            Summaries = paste(Summary, collapse = ' '))</a:t>
             </a:r>
           </a:p>
@@ -6888,27 +7200,27 @@
               <a:buNone/>
             </a:pPr>
             <a:r>
-              <a:rPr lang="en-US" sz="1400" dirty="0" err="1"/>
+              <a:rPr lang="en-US" sz="4800" dirty="0" err="1"/>
               <a:t>create.data</a:t>
             </a:r>
             <a:r>
-              <a:rPr lang="en-US" sz="1400" dirty="0"/>
+              <a:rPr lang="en-US" sz="4800" dirty="0"/>
               <a:t> &lt;- function(</a:t>
             </a:r>
             <a:r>
-              <a:rPr lang="en-US" sz="1400" dirty="0" err="1"/>
+              <a:rPr lang="en-US" sz="4800" dirty="0" err="1"/>
               <a:t>vec</a:t>
             </a:r>
             <a:r>
-              <a:rPr lang="en-US" sz="1400" dirty="0"/>
+              <a:rPr lang="en-US" sz="4800" dirty="0"/>
               <a:t>, </a:t>
             </a:r>
             <a:r>
-              <a:rPr lang="en-US" sz="1400" dirty="0" err="1"/>
+              <a:rPr lang="en-US" sz="4800" dirty="0" err="1"/>
               <a:t>old.data</a:t>
             </a:r>
             <a:r>
-              <a:rPr lang="en-US" sz="1400" dirty="0"/>
+              <a:rPr lang="en-US" sz="4800" dirty="0"/>
               <a:t>) {</a:t>
             </a:r>
           </a:p>
@@ -6917,23 +7229,23 @@
               <a:buNone/>
             </a:pPr>
             <a:r>
-              <a:rPr lang="en-US" sz="1400" dirty="0"/>
+              <a:rPr lang="en-US" sz="4800" dirty="0"/>
               <a:t>   temp &lt;- </a:t>
             </a:r>
             <a:r>
-              <a:rPr lang="en-US" sz="1400" dirty="0" err="1"/>
+              <a:rPr lang="en-US" sz="4800" dirty="0" err="1"/>
               <a:t>seq</a:t>
             </a:r>
             <a:r>
-              <a:rPr lang="en-US" sz="1400" dirty="0"/>
+              <a:rPr lang="en-US" sz="4800" dirty="0"/>
               <a:t>(1,nrow(</a:t>
             </a:r>
             <a:r>
-              <a:rPr lang="en-US" sz="1400" dirty="0" err="1"/>
+              <a:rPr lang="en-US" sz="4800" dirty="0" err="1"/>
               <a:t>old.data</a:t>
             </a:r>
             <a:r>
-              <a:rPr lang="en-US" sz="1400" dirty="0"/>
+              <a:rPr lang="en-US" sz="4800" dirty="0"/>
               <a:t>), by = 1)</a:t>
             </a:r>
           </a:p>
@@ -6942,23 +7254,23 @@
               <a:buNone/>
             </a:pPr>
             <a:r>
-              <a:rPr lang="en-US" sz="1400" dirty="0"/>
+              <a:rPr lang="en-US" sz="4800" dirty="0"/>
               <a:t>  </a:t>
             </a:r>
             <a:r>
-              <a:rPr lang="en-US" sz="1400" dirty="0" err="1"/>
+              <a:rPr lang="en-US" sz="4800" dirty="0" err="1"/>
               <a:t>df</a:t>
             </a:r>
             <a:r>
-              <a:rPr lang="en-US" sz="1400" dirty="0"/>
+              <a:rPr lang="en-US" sz="4800" dirty="0"/>
               <a:t> &lt;- </a:t>
             </a:r>
             <a:r>
-              <a:rPr lang="en-US" sz="1400" dirty="0" err="1"/>
+              <a:rPr lang="en-US" sz="4800" dirty="0" err="1"/>
               <a:t>data.frame</a:t>
             </a:r>
             <a:r>
-              <a:rPr lang="en-US" sz="1400" dirty="0"/>
+              <a:rPr lang="en-US" sz="4800" dirty="0"/>
               <a:t>(temp)</a:t>
             </a:r>
           </a:p>
@@ -6967,23 +7279,23 @@
               <a:buNone/>
             </a:pPr>
             <a:r>
-              <a:rPr lang="en-US" sz="1400" dirty="0"/>
+              <a:rPr lang="en-US" sz="4800" dirty="0"/>
               <a:t>    for (</a:t>
             </a:r>
             <a:r>
-              <a:rPr lang="en-US" sz="1400" dirty="0" err="1"/>
+              <a:rPr lang="en-US" sz="4800" dirty="0" err="1"/>
               <a:t>i</a:t>
             </a:r>
             <a:r>
-              <a:rPr lang="en-US" sz="1400" dirty="0"/>
+              <a:rPr lang="en-US" sz="4800" dirty="0"/>
               <a:t> in </a:t>
             </a:r>
             <a:r>
-              <a:rPr lang="en-US" sz="1400" dirty="0" err="1"/>
+              <a:rPr lang="en-US" sz="4800" dirty="0" err="1"/>
               <a:t>vec</a:t>
             </a:r>
             <a:r>
-              <a:rPr lang="en-US" sz="1400" dirty="0"/>
+              <a:rPr lang="en-US" sz="4800" dirty="0"/>
               <a:t>) {</a:t>
             </a:r>
           </a:p>
@@ -6992,7 +7304,7 @@
               <a:buNone/>
             </a:pPr>
             <a:r>
-              <a:rPr lang="en-US" sz="1400" dirty="0"/>
+              <a:rPr lang="en-US" sz="4800" dirty="0"/>
               <a:t>    values &lt;- c()</a:t>
             </a:r>
           </a:p>
@@ -7001,15 +7313,15 @@
               <a:buNone/>
             </a:pPr>
             <a:r>
-              <a:rPr lang="en-US" sz="1400" dirty="0"/>
+              <a:rPr lang="en-US" sz="4800" dirty="0"/>
               <a:t>    for (j in 1:nrow(</a:t>
             </a:r>
             <a:r>
-              <a:rPr lang="en-US" sz="1400" dirty="0" err="1"/>
+              <a:rPr lang="en-US" sz="4800" dirty="0" err="1"/>
               <a:t>old.data</a:t>
             </a:r>
             <a:r>
-              <a:rPr lang="en-US" sz="1400" dirty="0"/>
+              <a:rPr lang="en-US" sz="4800" dirty="0"/>
               <a:t>)) {</a:t>
             </a:r>
           </a:p>
@@ -7018,39 +7330,39 @@
               <a:buNone/>
             </a:pPr>
             <a:r>
-              <a:rPr lang="en-US" sz="1400" dirty="0"/>
+              <a:rPr lang="en-US" sz="4800" dirty="0"/>
               <a:t>      </a:t>
             </a:r>
             <a:r>
-              <a:rPr lang="en-US" sz="1400" dirty="0" err="1"/>
+              <a:rPr lang="en-US" sz="4800" dirty="0" err="1"/>
               <a:t>val</a:t>
             </a:r>
             <a:r>
-              <a:rPr lang="en-US" sz="1400" dirty="0"/>
+              <a:rPr lang="en-US" sz="4800" dirty="0"/>
               <a:t> &lt;- </a:t>
             </a:r>
             <a:r>
-              <a:rPr lang="en-US" sz="1400" dirty="0" err="1"/>
+              <a:rPr lang="en-US" sz="4800" dirty="0" err="1"/>
               <a:t>ifelse</a:t>
             </a:r>
             <a:r>
-              <a:rPr lang="en-US" sz="1400" dirty="0"/>
+              <a:rPr lang="en-US" sz="4800" dirty="0"/>
               <a:t>(test = (grep(</a:t>
             </a:r>
             <a:r>
-              <a:rPr lang="en-US" sz="1400" dirty="0" err="1"/>
+              <a:rPr lang="en-US" sz="4800" dirty="0" err="1"/>
               <a:t>i</a:t>
             </a:r>
             <a:r>
-              <a:rPr lang="en-US" sz="1400" dirty="0"/>
+              <a:rPr lang="en-US" sz="4800" dirty="0"/>
               <a:t>, </a:t>
             </a:r>
             <a:r>
-              <a:rPr lang="en-US" sz="1400" dirty="0" err="1"/>
+              <a:rPr lang="en-US" sz="4800" dirty="0" err="1"/>
               <a:t>By_Operator$Summaries</a:t>
             </a:r>
             <a:r>
-              <a:rPr lang="en-US" sz="1400" dirty="0"/>
+              <a:rPr lang="en-US" sz="4800" dirty="0"/>
               <a:t>[j])), yes = 1, no = 0)</a:t>
             </a:r>
           </a:p>
@@ -7059,15 +7371,15 @@
               <a:buNone/>
             </a:pPr>
             <a:r>
-              <a:rPr lang="en-US" sz="1400" dirty="0"/>
+              <a:rPr lang="en-US" sz="4800" dirty="0"/>
               <a:t>      values &lt;- c(values, length(</a:t>
             </a:r>
             <a:r>
-              <a:rPr lang="en-US" sz="1400" dirty="0" err="1"/>
+              <a:rPr lang="en-US" sz="4800" dirty="0" err="1"/>
               <a:t>val</a:t>
             </a:r>
             <a:r>
-              <a:rPr lang="en-US" sz="1400" dirty="0"/>
+              <a:rPr lang="en-US" sz="4800" dirty="0"/>
               <a:t>))</a:t>
             </a:r>
           </a:p>
@@ -7076,7 +7388,7 @@
               <a:buNone/>
             </a:pPr>
             <a:r>
-              <a:rPr lang="en-US" sz="1400" dirty="0"/>
+              <a:rPr lang="en-US" sz="4800" dirty="0"/>
               <a:t>    }</a:t>
             </a:r>
           </a:p>
@@ -7085,23 +7397,23 @@
               <a:buNone/>
             </a:pPr>
             <a:r>
-              <a:rPr lang="en-US" sz="1400" dirty="0"/>
+              <a:rPr lang="en-US" sz="4800" dirty="0"/>
               <a:t>    </a:t>
             </a:r>
             <a:r>
-              <a:rPr lang="en-US" sz="1400" dirty="0" err="1"/>
+              <a:rPr lang="en-US" sz="4800" dirty="0" err="1"/>
               <a:t>df</a:t>
             </a:r>
             <a:r>
-              <a:rPr lang="en-US" sz="1400" dirty="0"/>
+              <a:rPr lang="en-US" sz="4800" dirty="0"/>
               <a:t>[</a:t>
             </a:r>
             <a:r>
-              <a:rPr lang="en-US" sz="1400" dirty="0" err="1"/>
+              <a:rPr lang="en-US" sz="4800" dirty="0" err="1"/>
               <a:t>i</a:t>
             </a:r>
             <a:r>
-              <a:rPr lang="en-US" sz="1400" dirty="0"/>
+              <a:rPr lang="en-US" sz="4800" dirty="0"/>
               <a:t>] = values</a:t>
             </a:r>
           </a:p>
@@ -7110,7 +7422,7 @@
               <a:buNone/>
             </a:pPr>
             <a:r>
-              <a:rPr lang="en-US" sz="1400" dirty="0"/>
+              <a:rPr lang="en-US" sz="4800" dirty="0"/>
               <a:t>  }</a:t>
             </a:r>
           </a:p>
@@ -7119,15 +7431,15 @@
               <a:buNone/>
             </a:pPr>
             <a:r>
-              <a:rPr lang="en-US" sz="1400" dirty="0"/>
+              <a:rPr lang="en-US" sz="4800" dirty="0"/>
               <a:t>  return(</a:t>
             </a:r>
             <a:r>
-              <a:rPr lang="en-US" sz="1400" dirty="0" err="1"/>
+              <a:rPr lang="en-US" sz="4800" dirty="0" err="1"/>
               <a:t>df</a:t>
             </a:r>
             <a:r>
-              <a:rPr lang="en-US" sz="1400" dirty="0"/>
+              <a:rPr lang="en-US" sz="4800" dirty="0"/>
               <a:t>)</a:t>
             </a:r>
           </a:p>
@@ -7136,7 +7448,7 @@
               <a:buNone/>
             </a:pPr>
             <a:r>
-              <a:rPr lang="en-US" sz="1400" dirty="0"/>
+              <a:rPr lang="en-US" sz="4800" dirty="0"/>
               <a:t>}</a:t>
             </a:r>
           </a:p>
@@ -7145,11 +7457,11 @@
               <a:buNone/>
             </a:pPr>
             <a:r>
-              <a:rPr lang="en-US" sz="1400" dirty="0" err="1"/>
+              <a:rPr lang="en-US" sz="4800" dirty="0" err="1"/>
               <a:t>key.vec</a:t>
             </a:r>
             <a:r>
-              <a:rPr lang="en-US" sz="1400" dirty="0"/>
+              <a:rPr lang="en-US" sz="4800" dirty="0"/>
               <a:t> &lt;- c('storm', 'landing', 'mountain', 'tree', 'engine', 'military', 'takeoff', </a:t>
             </a:r>
           </a:p>
@@ -7158,7 +7470,7 @@
               <a:buNone/>
             </a:pPr>
             <a:r>
-              <a:rPr lang="en-US" sz="1400" dirty="0"/>
+              <a:rPr lang="en-US" sz="4800" dirty="0"/>
               <a:t>             'weather', 'wind', 'runway', 'fog')</a:t>
             </a:r>
           </a:p>
@@ -7167,31 +7479,31 @@
               <a:buNone/>
             </a:pPr>
             <a:r>
-              <a:rPr lang="en-US" sz="1400" dirty="0"/>
+              <a:rPr lang="en-US" sz="4800" dirty="0"/>
               <a:t>data &lt;- </a:t>
             </a:r>
             <a:r>
-              <a:rPr lang="en-US" sz="1400" dirty="0" err="1"/>
+              <a:rPr lang="en-US" sz="4800" dirty="0" err="1"/>
               <a:t>create.data</a:t>
             </a:r>
             <a:r>
-              <a:rPr lang="en-US" sz="1400" dirty="0"/>
+              <a:rPr lang="en-US" sz="4800" dirty="0"/>
               <a:t>(</a:t>
             </a:r>
             <a:r>
-              <a:rPr lang="en-US" sz="1400" dirty="0" err="1"/>
+              <a:rPr lang="en-US" sz="4800" dirty="0" err="1"/>
               <a:t>key.vec</a:t>
             </a:r>
             <a:r>
-              <a:rPr lang="en-US" sz="1400" dirty="0"/>
+              <a:rPr lang="en-US" sz="4800" dirty="0"/>
               <a:t>, </a:t>
             </a:r>
             <a:r>
-              <a:rPr lang="en-US" sz="1400" dirty="0" err="1"/>
+              <a:rPr lang="en-US" sz="4800" dirty="0" err="1"/>
               <a:t>By_Operator</a:t>
             </a:r>
             <a:r>
-              <a:rPr lang="en-US" sz="1400" dirty="0"/>
+              <a:rPr lang="en-US" sz="4800" dirty="0"/>
               <a:t>)</a:t>
             </a:r>
           </a:p>
@@ -7200,7 +7512,7 @@
               <a:buNone/>
             </a:pPr>
             <a:r>
-              <a:rPr lang="en-US" sz="1400" dirty="0"/>
+              <a:rPr lang="en-US" sz="4800" dirty="0"/>
               <a:t>data &lt;- data[,-1]</a:t>
             </a:r>
           </a:p>
@@ -7209,27 +7521,27 @@
               <a:buNone/>
             </a:pPr>
             <a:r>
-              <a:rPr lang="en-US" sz="1400" dirty="0" err="1"/>
+              <a:rPr lang="en-US" sz="4800" dirty="0" err="1"/>
               <a:t>new.data</a:t>
             </a:r>
             <a:r>
-              <a:rPr lang="en-US" sz="1400" dirty="0"/>
+              <a:rPr lang="en-US" sz="4800" dirty="0"/>
               <a:t> &lt;- </a:t>
             </a:r>
             <a:r>
-              <a:rPr lang="en-US" sz="1400" dirty="0" err="1"/>
+              <a:rPr lang="en-US" sz="4800" dirty="0" err="1"/>
               <a:t>cbind</a:t>
             </a:r>
             <a:r>
-              <a:rPr lang="en-US" sz="1400" dirty="0"/>
+              <a:rPr lang="en-US" sz="4800" dirty="0"/>
               <a:t>(</a:t>
             </a:r>
             <a:r>
-              <a:rPr lang="en-US" sz="1400" dirty="0" err="1"/>
+              <a:rPr lang="en-US" sz="4800" dirty="0" err="1"/>
               <a:t>By_Operator</a:t>
             </a:r>
             <a:r>
-              <a:rPr lang="en-US" sz="1400" dirty="0"/>
+              <a:rPr lang="en-US" sz="4800" dirty="0"/>
               <a:t>[,-4], data)</a:t>
             </a:r>
           </a:p>
@@ -7458,8 +7770,8 @@
         </p:nvSpPr>
         <p:spPr>
           <a:xfrm>
-            <a:off x="1493520" y="987552"/>
-            <a:ext cx="1564852" cy="307777"/>
+            <a:off x="1493519" y="987552"/>
+            <a:ext cx="4916073" cy="307777"/>
           </a:xfrm>
           <a:prstGeom prst="rect">
             <a:avLst/>
@@ -7467,14 +7779,18 @@
           <a:noFill/>
         </p:spPr>
         <p:txBody>
-          <a:bodyPr wrap="none" rtlCol="0">
+          <a:bodyPr wrap="square" rtlCol="0">
             <a:spAutoFit/>
           </a:bodyPr>
           <a:lstStyle/>
           <a:p>
             <a:r>
-              <a:rPr lang="en-US" sz="1400" dirty="0"/>
-              <a:t>Total 5268 obs.</a:t>
+              <a:rPr lang="en-US" sz="1400" i="1" dirty="0">
+                <a:solidFill>
+                  <a:schemeClr val="accent1"/>
+                </a:solidFill>
+              </a:rPr>
+              <a:t>Total 5268 obs. -&gt; grouped by Operator 2476 obs.</a:t>
             </a:r>
           </a:p>
         </p:txBody>
@@ -7493,6 +7809,113 @@
 </file>
 
 <file path=ppt/slides/slide4.xml><?xml version="1.0" encoding="utf-8"?>
+<p:sld xmlns:a="http://schemas.openxmlformats.org/drawingml/2006/main" xmlns:r="http://schemas.openxmlformats.org/officeDocument/2006/relationships" xmlns:p="http://schemas.openxmlformats.org/presentationml/2006/main">
+  <p:cSld>
+    <p:spTree>
+      <p:nvGrpSpPr>
+        <p:cNvPr id="1" name=""/>
+        <p:cNvGrpSpPr/>
+        <p:nvPr/>
+      </p:nvGrpSpPr>
+      <p:grpSpPr>
+        <a:xfrm>
+          <a:off x="0" y="0"/>
+          <a:ext cx="0" cy="0"/>
+          <a:chOff x="0" y="0"/>
+          <a:chExt cx="0" cy="0"/>
+        </a:xfrm>
+      </p:grpSpPr>
+      <p:pic>
+        <p:nvPicPr>
+          <p:cNvPr id="4" name="Picture 3"/>
+          <p:cNvPicPr>
+            <a:picLocks noChangeAspect="1"/>
+          </p:cNvPicPr>
+          <p:nvPr/>
+        </p:nvPicPr>
+        <p:blipFill>
+          <a:blip r:embed="rId2"/>
+          <a:stretch>
+            <a:fillRect/>
+          </a:stretch>
+        </p:blipFill>
+        <p:spPr>
+          <a:xfrm>
+            <a:off x="3009227" y="1161823"/>
+            <a:ext cx="8740897" cy="5220152"/>
+          </a:xfrm>
+          <a:prstGeom prst="rect">
+            <a:avLst/>
+          </a:prstGeom>
+        </p:spPr>
+      </p:pic>
+      <p:pic>
+        <p:nvPicPr>
+          <p:cNvPr id="5" name="Picture 4"/>
+          <p:cNvPicPr>
+            <a:picLocks noChangeAspect="1"/>
+          </p:cNvPicPr>
+          <p:nvPr/>
+        </p:nvPicPr>
+        <p:blipFill>
+          <a:blip r:embed="rId3"/>
+          <a:stretch>
+            <a:fillRect/>
+          </a:stretch>
+        </p:blipFill>
+        <p:spPr>
+          <a:xfrm>
+            <a:off x="281355" y="1161823"/>
+            <a:ext cx="2391506" cy="5220152"/>
+          </a:xfrm>
+          <a:prstGeom prst="rect">
+            <a:avLst/>
+          </a:prstGeom>
+        </p:spPr>
+      </p:pic>
+      <p:sp>
+        <p:nvSpPr>
+          <p:cNvPr id="8" name="TextBox 7"/>
+          <p:cNvSpPr txBox="1"/>
+          <p:nvPr/>
+        </p:nvSpPr>
+        <p:spPr>
+          <a:xfrm>
+            <a:off x="3631223" y="334108"/>
+            <a:ext cx="6400800" cy="646331"/>
+          </a:xfrm>
+          <a:prstGeom prst="rect">
+            <a:avLst/>
+          </a:prstGeom>
+          <a:noFill/>
+        </p:spPr>
+        <p:txBody>
+          <a:bodyPr wrap="square" rtlCol="0">
+            <a:spAutoFit/>
+          </a:bodyPr>
+          <a:lstStyle/>
+          <a:p>
+            <a:r>
+              <a:rPr lang="en-US" sz="3600" dirty="0"/>
+              <a:t>    ABOARD vs FATALITY</a:t>
+            </a:r>
+          </a:p>
+        </p:txBody>
+      </p:sp>
+    </p:spTree>
+    <p:extLst>
+      <p:ext uri="{BB962C8B-B14F-4D97-AF65-F5344CB8AC3E}">
+        <p14:creationId xmlns:p14="http://schemas.microsoft.com/office/powerpoint/2010/main" val="383418991"/>
+      </p:ext>
+    </p:extLst>
+  </p:cSld>
+  <p:clrMapOvr>
+    <a:masterClrMapping/>
+  </p:clrMapOvr>
+</p:sld>
+</file>
+
+<file path=ppt/slides/slide5.xml><?xml version="1.0" encoding="utf-8"?>
 <p:sld xmlns:a="http://schemas.openxmlformats.org/drawingml/2006/main" xmlns:r="http://schemas.openxmlformats.org/officeDocument/2006/relationships" xmlns:p="http://schemas.openxmlformats.org/presentationml/2006/main">
   <p:cSld>
     <p:spTree>
@@ -8014,115 +8437,6 @@
 </p:sld>
 </file>
 
-<file path=ppt/slides/slide5.xml><?xml version="1.0" encoding="utf-8"?>
-<p:sld xmlns:a="http://schemas.openxmlformats.org/drawingml/2006/main" xmlns:r="http://schemas.openxmlformats.org/officeDocument/2006/relationships" xmlns:p="http://schemas.openxmlformats.org/presentationml/2006/main">
-  <p:cSld>
-    <p:spTree>
-      <p:nvGrpSpPr>
-        <p:cNvPr id="1" name=""/>
-        <p:cNvGrpSpPr/>
-        <p:nvPr/>
-      </p:nvGrpSpPr>
-      <p:grpSpPr>
-        <a:xfrm>
-          <a:off x="0" y="0"/>
-          <a:ext cx="0" cy="0"/>
-          <a:chOff x="0" y="0"/>
-          <a:chExt cx="0" cy="0"/>
-        </a:xfrm>
-      </p:grpSpPr>
-      <p:sp>
-        <p:nvSpPr>
-          <p:cNvPr id="4" name="Content Placeholder 3"/>
-          <p:cNvSpPr>
-            <a:spLocks noGrp="1"/>
-          </p:cNvSpPr>
-          <p:nvPr>
-            <p:ph sz="quarter" idx="13"/>
-          </p:nvPr>
-        </p:nvSpPr>
-        <p:spPr>
-          <a:xfrm>
-            <a:off x="281041" y="1858275"/>
-            <a:ext cx="10953518" cy="1945629"/>
-          </a:xfrm>
-        </p:spPr>
-        <p:txBody>
-          <a:bodyPr>
-            <a:normAutofit fontScale="92500" lnSpcReduction="20000"/>
-          </a:bodyPr>
-          <a:lstStyle/>
-          <a:p>
-            <a:pPr marL="0" indent="0">
-              <a:buNone/>
-            </a:pPr>
-            <a:r>
-              <a:rPr lang="en-US" dirty="0"/>
-              <a:t>				</a:t>
-            </a:r>
-          </a:p>
-          <a:p>
-            <a:pPr marL="0" indent="0">
-              <a:buNone/>
-            </a:pPr>
-            <a:r>
-              <a:rPr lang="en-US" sz="9600" i="1" dirty="0">
-                <a:solidFill>
-                  <a:schemeClr val="accent2">
-                    <a:lumMod val="50000"/>
-                  </a:schemeClr>
-                </a:solidFill>
-              </a:rPr>
-              <a:t>			   SEA</a:t>
-            </a:r>
-          </a:p>
-        </p:txBody>
-      </p:sp>
-      <p:sp>
-        <p:nvSpPr>
-          <p:cNvPr id="6" name="Rectangle 5"/>
-          <p:cNvSpPr/>
-          <p:nvPr/>
-        </p:nvSpPr>
-        <p:spPr>
-          <a:xfrm>
-            <a:off x="3869753" y="3434572"/>
-            <a:ext cx="2238439" cy="369332"/>
-          </a:xfrm>
-          <a:prstGeom prst="rect">
-            <a:avLst/>
-          </a:prstGeom>
-        </p:spPr>
-        <p:txBody>
-          <a:bodyPr wrap="square">
-            <a:spAutoFit/>
-          </a:bodyPr>
-          <a:lstStyle/>
-          <a:p>
-            <a:r>
-              <a:rPr lang="en-US" i="1" dirty="0">
-                <a:solidFill>
-                  <a:schemeClr val="accent2"/>
-                </a:solidFill>
-              </a:rPr>
-              <a:t>          Oil spill</a:t>
-            </a:r>
-          </a:p>
-        </p:txBody>
-      </p:sp>
-    </p:spTree>
-    <p:extLst>
-      <p:ext uri="{BB962C8B-B14F-4D97-AF65-F5344CB8AC3E}">
-        <p14:creationId xmlns:p14="http://schemas.microsoft.com/office/powerpoint/2010/main" val="1259693269"/>
-      </p:ext>
-    </p:extLst>
-  </p:cSld>
-  <p:clrMapOvr>
-    <a:masterClrMapping/>
-  </p:clrMapOvr>
-</p:sld>
-</file>
-
 <file path=ppt/slides/slide6.xml><?xml version="1.0" encoding="utf-8"?>
 <p:sld xmlns:a="http://schemas.openxmlformats.org/drawingml/2006/main" xmlns:r="http://schemas.openxmlformats.org/officeDocument/2006/relationships" xmlns:p="http://schemas.openxmlformats.org/presentationml/2006/main">
   <p:cSld>
@@ -8142,71 +8456,87 @@
       </p:grpSpPr>
       <p:sp>
         <p:nvSpPr>
-          <p:cNvPr id="2" name="Title 1"/>
-          <p:cNvSpPr>
-            <a:spLocks noGrp="1"/>
-          </p:cNvSpPr>
-          <p:nvPr>
-            <p:ph type="title"/>
-          </p:nvPr>
-        </p:nvSpPr>
-        <p:spPr/>
-        <p:txBody>
-          <a:bodyPr/>
-          <a:lstStyle/>
-          <a:p>
-            <a:endParaRPr lang="en-US" dirty="0"/>
-          </a:p>
-        </p:txBody>
-      </p:sp>
-      <p:pic>
-        <p:nvPicPr>
           <p:cNvPr id="4" name="Content Placeholder 3"/>
-          <p:cNvPicPr>
-            <a:picLocks noGrp="1" noChangeAspect="1"/>
-          </p:cNvPicPr>
+          <p:cNvSpPr>
+            <a:spLocks noGrp="1"/>
+          </p:cNvSpPr>
           <p:nvPr>
             <p:ph sz="quarter" idx="13"/>
           </p:nvPr>
-        </p:nvPicPr>
-        <p:blipFill>
-          <a:blip r:embed="rId2"/>
-          <a:stretch>
-            <a:fillRect/>
-          </a:stretch>
-        </p:blipFill>
-        <p:spPr>
-          <a:xfrm>
-            <a:off x="502268" y="136603"/>
-            <a:ext cx="10775958" cy="6069724"/>
-          </a:xfrm>
-        </p:spPr>
-      </p:pic>
-      <p:sp>
-        <p:nvSpPr>
-          <p:cNvPr id="7" name="TextBox 6"/>
-          <p:cNvSpPr txBox="1"/>
+        </p:nvSpPr>
+        <p:spPr>
+          <a:xfrm>
+            <a:off x="281041" y="1858275"/>
+            <a:ext cx="10953518" cy="1945629"/>
+          </a:xfrm>
+        </p:spPr>
+        <p:txBody>
+          <a:bodyPr>
+            <a:normAutofit fontScale="92500" lnSpcReduction="20000"/>
+          </a:bodyPr>
+          <a:lstStyle/>
+          <a:p>
+            <a:pPr marL="0" indent="0">
+              <a:buNone/>
+            </a:pPr>
+            <a:r>
+              <a:rPr lang="en-US" dirty="0"/>
+              <a:t>				</a:t>
+            </a:r>
+          </a:p>
+          <a:p>
+            <a:pPr marL="0" indent="0">
+              <a:buNone/>
+            </a:pPr>
+            <a:r>
+              <a:rPr lang="en-US" sz="9600" i="1" dirty="0">
+                <a:solidFill>
+                  <a:schemeClr val="accent2">
+                    <a:lumMod val="50000"/>
+                  </a:schemeClr>
+                </a:solidFill>
+              </a:rPr>
+              <a:t>			    SEA</a:t>
+            </a:r>
+          </a:p>
+        </p:txBody>
+      </p:sp>
+      <p:sp>
+        <p:nvSpPr>
+          <p:cNvPr id="6" name="Rectangle 5"/>
+          <p:cNvSpPr/>
           <p:nvPr/>
         </p:nvSpPr>
         <p:spPr>
           <a:xfrm>
-            <a:off x="1" y="6400800"/>
-            <a:ext cx="12959558" cy="369332"/>
+            <a:off x="3869753" y="3434572"/>
+            <a:ext cx="2238439" cy="400110"/>
           </a:xfrm>
           <a:prstGeom prst="rect">
             <a:avLst/>
           </a:prstGeom>
-          <a:noFill/>
-        </p:spPr>
-        <p:txBody>
-          <a:bodyPr wrap="square" rtlCol="0">
+        </p:spPr>
+        <p:txBody>
+          <a:bodyPr wrap="square">
             <a:spAutoFit/>
           </a:bodyPr>
           <a:lstStyle/>
           <a:p>
             <a:r>
-              <a:rPr lang="en-US" b="1" dirty="0"/>
-              <a:t>Researchers hope the use of magnets will allow them to recover more oil and lead to an easier clean up operation</a:t>
+              <a:rPr lang="en-US" i="1" dirty="0">
+                <a:solidFill>
+                  <a:schemeClr val="accent2"/>
+                </a:solidFill>
+              </a:rPr>
+              <a:t>               </a:t>
+            </a:r>
+            <a:r>
+              <a:rPr lang="en-US" sz="2000" i="1" dirty="0">
+                <a:solidFill>
+                  <a:schemeClr val="accent2"/>
+                </a:solidFill>
+              </a:rPr>
+              <a:t>Oil spill</a:t>
             </a:r>
           </a:p>
         </p:txBody>
@@ -8214,7 +8544,7 @@
     </p:spTree>
     <p:extLst>
       <p:ext uri="{BB962C8B-B14F-4D97-AF65-F5344CB8AC3E}">
-        <p14:creationId xmlns:p14="http://schemas.microsoft.com/office/powerpoint/2010/main" val="843979826"/>
+        <p14:creationId xmlns:p14="http://schemas.microsoft.com/office/powerpoint/2010/main" val="1259693269"/>
       </p:ext>
     </p:extLst>
   </p:cSld>
@@ -8251,25 +8581,11 @@
             <p:ph type="title"/>
           </p:nvPr>
         </p:nvSpPr>
-        <p:spPr>
-          <a:xfrm>
-            <a:off x="965200" y="833377"/>
-            <a:ext cx="10313026" cy="741424"/>
-          </a:xfrm>
-        </p:spPr>
-        <p:txBody>
-          <a:bodyPr>
-            <a:normAutofit fontScale="90000"/>
-          </a:bodyPr>
-          <a:lstStyle/>
-          <a:p>
-            <a:r>
-              <a:rPr lang="en-US" dirty="0"/>
-              <a:t>Major Oil Spill stats</a:t>
-            </a:r>
-            <a:br>
-              <a:rPr lang="en-US" dirty="0"/>
-            </a:br>
+        <p:spPr/>
+        <p:txBody>
+          <a:bodyPr/>
+          <a:lstStyle/>
+          <a:p>
             <a:endParaRPr lang="en-US" dirty="0"/>
           </a:p>
         </p:txBody>
@@ -8292,15 +8608,44 @@
         </p:blipFill>
         <p:spPr>
           <a:xfrm>
-            <a:off x="2235513" y="1365813"/>
-            <a:ext cx="7772400" cy="5385035"/>
+            <a:off x="502268" y="136603"/>
+            <a:ext cx="10775958" cy="6069724"/>
           </a:xfrm>
         </p:spPr>
       </p:pic>
+      <p:sp>
+        <p:nvSpPr>
+          <p:cNvPr id="7" name="TextBox 6"/>
+          <p:cNvSpPr txBox="1"/>
+          <p:nvPr/>
+        </p:nvSpPr>
+        <p:spPr>
+          <a:xfrm>
+            <a:off x="1" y="6400800"/>
+            <a:ext cx="12959558" cy="369332"/>
+          </a:xfrm>
+          <a:prstGeom prst="rect">
+            <a:avLst/>
+          </a:prstGeom>
+          <a:noFill/>
+        </p:spPr>
+        <p:txBody>
+          <a:bodyPr wrap="square" rtlCol="0">
+            <a:spAutoFit/>
+          </a:bodyPr>
+          <a:lstStyle/>
+          <a:p>
+            <a:r>
+              <a:rPr lang="en-US" b="1" dirty="0"/>
+              <a:t>Researchers hope the use of magnets will allow them to recover more oil and lead to an easier clean up operation</a:t>
+            </a:r>
+          </a:p>
+        </p:txBody>
+      </p:sp>
     </p:spTree>
     <p:extLst>
       <p:ext uri="{BB962C8B-B14F-4D97-AF65-F5344CB8AC3E}">
-        <p14:creationId xmlns:p14="http://schemas.microsoft.com/office/powerpoint/2010/main" val="1869433403"/>
+        <p14:creationId xmlns:p14="http://schemas.microsoft.com/office/powerpoint/2010/main" val="843979826"/>
       </p:ext>
     </p:extLst>
   </p:cSld>
@@ -8339,137 +8684,83 @@
         </p:nvSpPr>
         <p:spPr>
           <a:xfrm>
-            <a:off x="913775" y="1"/>
-            <a:ext cx="10364451" cy="2214694"/>
-          </a:xfrm>
-        </p:spPr>
-        <p:txBody>
-          <a:bodyPr/>
+            <a:off x="965200" y="833377"/>
+            <a:ext cx="10313026" cy="741424"/>
+          </a:xfrm>
+        </p:spPr>
+        <p:txBody>
+          <a:bodyPr>
+            <a:normAutofit fontScale="90000"/>
+          </a:bodyPr>
           <a:lstStyle/>
           <a:p>
             <a:r>
               <a:rPr lang="en-US" dirty="0"/>
-              <a:t>New Technology on the horizon</a:t>
-            </a:r>
-          </a:p>
-        </p:txBody>
-      </p:sp>
-      <p:sp>
-        <p:nvSpPr>
-          <p:cNvPr id="3" name="Content Placeholder 2"/>
-          <p:cNvSpPr>
-            <a:spLocks noGrp="1"/>
-          </p:cNvSpPr>
+              <a:t>Major Oil Spill stats</a:t>
+            </a:r>
+            <a:br>
+              <a:rPr lang="en-US" dirty="0"/>
+            </a:br>
+            <a:endParaRPr lang="en-US" dirty="0"/>
+          </a:p>
+        </p:txBody>
+      </p:sp>
+      <p:pic>
+        <p:nvPicPr>
+          <p:cNvPr id="4" name="Content Placeholder 3"/>
+          <p:cNvPicPr>
+            <a:picLocks noGrp="1" noChangeAspect="1"/>
+          </p:cNvPicPr>
           <p:nvPr>
             <p:ph sz="quarter" idx="13"/>
           </p:nvPr>
-        </p:nvSpPr>
-        <p:spPr>
-          <a:xfrm>
-            <a:off x="913775" y="1481959"/>
-            <a:ext cx="10500458" cy="4739937"/>
-          </a:xfrm>
-        </p:spPr>
-        <p:style>
-          <a:lnRef idx="2">
-            <a:schemeClr val="dk1"/>
-          </a:lnRef>
-          <a:fillRef idx="1">
-            <a:schemeClr val="lt1"/>
-          </a:fillRef>
-          <a:effectRef idx="0">
-            <a:schemeClr val="dk1"/>
-          </a:effectRef>
-          <a:fontRef idx="minor">
-            <a:schemeClr val="dk1"/>
-          </a:fontRef>
-        </p:style>
-        <p:txBody>
-          <a:bodyPr>
-            <a:normAutofit fontScale="85000" lnSpcReduction="20000"/>
+        </p:nvPicPr>
+        <p:blipFill>
+          <a:blip r:embed="rId2"/>
+          <a:stretch>
+            <a:fillRect/>
+          </a:stretch>
+        </p:blipFill>
+        <p:spPr>
+          <a:xfrm>
+            <a:off x="2235513" y="1365813"/>
+            <a:ext cx="7772400" cy="5385035"/>
+          </a:xfrm>
+        </p:spPr>
+      </p:pic>
+      <p:sp>
+        <p:nvSpPr>
+          <p:cNvPr id="3" name="TextBox 2"/>
+          <p:cNvSpPr txBox="1"/>
+          <p:nvPr/>
+        </p:nvSpPr>
+        <p:spPr>
+          <a:xfrm>
+            <a:off x="8818685" y="914929"/>
+            <a:ext cx="1890346" cy="369332"/>
+          </a:xfrm>
+          <a:prstGeom prst="rect">
+            <a:avLst/>
+          </a:prstGeom>
+          <a:noFill/>
+        </p:spPr>
+        <p:txBody>
+          <a:bodyPr wrap="square" rtlCol="0">
+            <a:spAutoFit/>
           </a:bodyPr>
           <a:lstStyle/>
           <a:p>
             <a:r>
               <a:rPr lang="en-US" dirty="0"/>
-              <a:t>Oil spills from container ships or offshore platforms are a frequent hazard to marine and coastal ecosystems. </a:t>
-            </a:r>
-          </a:p>
-          <a:p>
-            <a:r>
-              <a:rPr lang="en-US" dirty="0"/>
-              <a:t>Cleaning up oil spills could be very expensive operation. </a:t>
-            </a:r>
-            <a:r>
-              <a:rPr lang="en-US" dirty="0" err="1"/>
-              <a:t>Bp</a:t>
-            </a:r>
-            <a:r>
-              <a:rPr lang="en-US" dirty="0"/>
-              <a:t> Gulf of </a:t>
-            </a:r>
-            <a:r>
-              <a:rPr lang="en-US" dirty="0" err="1"/>
-              <a:t>mexico</a:t>
-            </a:r>
-            <a:r>
-              <a:rPr lang="en-US" dirty="0"/>
-              <a:t> oil spill in 2010, the worst environmental disaster in Us history costed BP $40 billion. </a:t>
-            </a:r>
-          </a:p>
-          <a:p>
-            <a:r>
-              <a:rPr lang="en-US" dirty="0"/>
-              <a:t>Recently, MIT scientists found a method of recovering oil  after a spill using magnets, potentially saving companies like </a:t>
-            </a:r>
-            <a:r>
-              <a:rPr lang="en-US" dirty="0" err="1"/>
-              <a:t>bp</a:t>
-            </a:r>
-            <a:r>
-              <a:rPr lang="en-US" dirty="0"/>
-              <a:t> money in clean up bills. </a:t>
-            </a:r>
-          </a:p>
-          <a:p>
-            <a:r>
-              <a:rPr lang="en-US" dirty="0"/>
-              <a:t>On it’s own, oil is not magnetic. But when mixed with water-repellant nanoparticles that contain iron, the oil can be magnetically separated from the water. The nanoparticles can later be removed to enable the re-use of the oil.</a:t>
-            </a:r>
-          </a:p>
-          <a:p>
-            <a:r>
-              <a:rPr lang="en-US" dirty="0"/>
-              <a:t>The recovery process would be conducted out at sea  after the oil spill. Seawater polluted with oil would be pumped onto a boat treatment facility. Once onboard, the magnetic nanoparticles would be added and attach themselves to the oil. </a:t>
-            </a:r>
-          </a:p>
-          <a:p>
-            <a:r>
-              <a:rPr lang="en-US" dirty="0"/>
-              <a:t>The liquid would then be filtered with the magnets to separate the oil and water with the water returned to the sea and the oil carried back to shore to an oil refinery.</a:t>
-            </a:r>
-          </a:p>
-          <a:p>
-            <a:endParaRPr lang="en-US" dirty="0"/>
-          </a:p>
-          <a:p>
-            <a:pPr marL="0" indent="0">
-              <a:buNone/>
-            </a:pPr>
-            <a:endParaRPr lang="en-US" dirty="0"/>
-          </a:p>
-          <a:p>
-            <a:pPr marL="0" indent="0">
-              <a:buNone/>
-            </a:pPr>
-            <a:endParaRPr lang="en-US" dirty="0"/>
+              <a:t>Source(ITOPF)</a:t>
+            </a:r>
           </a:p>
         </p:txBody>
       </p:sp>
     </p:spTree>
     <p:extLst>
       <p:ext uri="{BB962C8B-B14F-4D97-AF65-F5344CB8AC3E}">
-        <p14:creationId xmlns:p14="http://schemas.microsoft.com/office/powerpoint/2010/main" val="2017828257"/>
+        <p14:creationId xmlns:p14="http://schemas.microsoft.com/office/powerpoint/2010/main" val="1869433403"/>
       </p:ext>
     </p:extLst>
   </p:cSld>
@@ -8508,8 +8799,8 @@
         </p:nvSpPr>
         <p:spPr>
           <a:xfrm>
-            <a:off x="185739" y="618517"/>
-            <a:ext cx="11092488" cy="1596177"/>
+            <a:off x="913775" y="1"/>
+            <a:ext cx="10364451" cy="2214694"/>
           </a:xfrm>
         </p:spPr>
         <p:txBody>
@@ -8518,54 +8809,223 @@
           <a:p>
             <a:r>
               <a:rPr lang="en-US" dirty="0"/>
-              <a:t>Nanotechnology Cleaning up oil spills</a:t>
-            </a:r>
-          </a:p>
-        </p:txBody>
-      </p:sp>
-      <p:pic>
-        <p:nvPicPr>
-          <p:cNvPr id="4" name="Content Placeholder 3" descr="https://tse1.mm.bing.net/th?&amp;id=OIP.M6639173e0f6685587ea9b6643846c1f0o0&amp;w=300&amp;h=225&amp;c=0&amp;pid=1.9&amp;rs=0&amp;p=0&amp;r=0">
-            <a:hlinkClick r:id="rId2" tooltip="&quot;View image details&quot;"/>
-          </p:cNvPr>
-          <p:cNvPicPr>
-            <a:picLocks noGrp="1"/>
-          </p:cNvPicPr>
+              <a:t>New Technology on the horizon</a:t>
+            </a:r>
+          </a:p>
+        </p:txBody>
+      </p:sp>
+      <p:sp>
+        <p:nvSpPr>
+          <p:cNvPr id="3" name="Content Placeholder 2"/>
+          <p:cNvSpPr>
+            <a:spLocks noGrp="1"/>
+          </p:cNvSpPr>
           <p:nvPr>
             <p:ph sz="quarter" idx="13"/>
           </p:nvPr>
-        </p:nvPicPr>
-        <p:blipFill>
-          <a:blip r:embed="rId3">
-            <a:extLst>
-              <a:ext uri="{28A0092B-C50C-407E-A947-70E740481C1C}">
-                <a14:useLocalDpi xmlns:a14="http://schemas.microsoft.com/office/drawing/2010/main" val="0"/>
-              </a:ext>
-            </a:extLst>
-          </a:blip>
-          <a:srcRect/>
-          <a:stretch>
-            <a:fillRect/>
-          </a:stretch>
-        </p:blipFill>
-        <p:spPr bwMode="auto">
-          <a:xfrm>
-            <a:off x="2171699" y="1928944"/>
-            <a:ext cx="7700963" cy="4643306"/>
-          </a:xfrm>
-          <a:prstGeom prst="rect">
-            <a:avLst/>
-          </a:prstGeom>
-          <a:noFill/>
-          <a:ln>
-            <a:noFill/>
-          </a:ln>
-        </p:spPr>
-      </p:pic>
+        </p:nvSpPr>
+        <p:spPr>
+          <a:xfrm>
+            <a:off x="913775" y="1481959"/>
+            <a:ext cx="10500458" cy="4739937"/>
+          </a:xfrm>
+        </p:spPr>
+        <p:style>
+          <a:lnRef idx="2">
+            <a:schemeClr val="dk1"/>
+          </a:lnRef>
+          <a:fillRef idx="1">
+            <a:schemeClr val="lt1"/>
+          </a:fillRef>
+          <a:effectRef idx="0">
+            <a:schemeClr val="dk1"/>
+          </a:effectRef>
+          <a:fontRef idx="minor">
+            <a:schemeClr val="dk1"/>
+          </a:fontRef>
+        </p:style>
+        <p:txBody>
+          <a:bodyPr>
+            <a:normAutofit/>
+          </a:bodyPr>
+          <a:lstStyle/>
+          <a:p>
+            <a:endParaRPr lang="en-US" sz="1800" dirty="0"/>
+          </a:p>
+          <a:p>
+            <a:r>
+              <a:rPr lang="en-US" sz="1800" dirty="0">
+                <a:solidFill>
+                  <a:srgbClr val="FF0000"/>
+                </a:solidFill>
+              </a:rPr>
+              <a:t>Oil spills </a:t>
+            </a:r>
+            <a:r>
+              <a:rPr lang="en-US" sz="1800" dirty="0"/>
+              <a:t>from container ships or offshore platforms are a frequent </a:t>
+            </a:r>
+            <a:r>
+              <a:rPr lang="en-US" sz="1800" dirty="0">
+                <a:solidFill>
+                  <a:srgbClr val="FF0000"/>
+                </a:solidFill>
+              </a:rPr>
+              <a:t>hazard to marine and coastal ecosystems. </a:t>
+            </a:r>
+          </a:p>
+          <a:p>
+            <a:r>
+              <a:rPr lang="en-US" sz="1800" dirty="0">
+                <a:solidFill>
+                  <a:srgbClr val="FF0000"/>
+                </a:solidFill>
+              </a:rPr>
+              <a:t>Cleaning up oil spills could be very expensive operation</a:t>
+            </a:r>
+            <a:r>
+              <a:rPr lang="en-US" sz="1800" dirty="0"/>
+              <a:t>. </a:t>
+            </a:r>
+            <a:r>
+              <a:rPr lang="en-US" sz="1800" dirty="0" err="1"/>
+              <a:t>Bp</a:t>
+            </a:r>
+            <a:r>
+              <a:rPr lang="en-US" sz="1800" dirty="0"/>
+              <a:t> Gulf of </a:t>
+            </a:r>
+            <a:r>
+              <a:rPr lang="en-US" sz="1800" dirty="0" err="1"/>
+              <a:t>mexico</a:t>
+            </a:r>
+            <a:r>
+              <a:rPr lang="en-US" sz="1800" dirty="0"/>
+              <a:t> oil spill in 2010, the worst environmental disaster in Us history </a:t>
+            </a:r>
+            <a:r>
+              <a:rPr lang="en-US" sz="1800" dirty="0">
+                <a:solidFill>
+                  <a:schemeClr val="accent3">
+                    <a:lumMod val="75000"/>
+                  </a:schemeClr>
+                </a:solidFill>
+              </a:rPr>
+              <a:t>costed BP $40 billion</a:t>
+            </a:r>
+            <a:r>
+              <a:rPr lang="en-US" sz="1800" dirty="0"/>
+              <a:t>. </a:t>
+            </a:r>
+          </a:p>
+          <a:p>
+            <a:r>
+              <a:rPr lang="en-US" sz="1800" dirty="0"/>
+              <a:t>Recently, MIT scientists </a:t>
+            </a:r>
+            <a:r>
+              <a:rPr lang="en-US" sz="1800" dirty="0">
+                <a:solidFill>
+                  <a:srgbClr val="FF0000"/>
+                </a:solidFill>
+              </a:rPr>
+              <a:t>found a method of recovering oil  </a:t>
+            </a:r>
+            <a:r>
+              <a:rPr lang="en-US" sz="1800" dirty="0">
+                <a:solidFill>
+                  <a:schemeClr val="tx1"/>
+                </a:solidFill>
+              </a:rPr>
+              <a:t>after a spill </a:t>
+            </a:r>
+            <a:r>
+              <a:rPr lang="en-US" sz="1800" dirty="0">
+                <a:solidFill>
+                  <a:srgbClr val="FF0000"/>
+                </a:solidFill>
+              </a:rPr>
+              <a:t>using magnets</a:t>
+            </a:r>
+            <a:r>
+              <a:rPr lang="en-US" sz="1800" dirty="0"/>
+              <a:t>, potentially saving companies like </a:t>
+            </a:r>
+            <a:r>
+              <a:rPr lang="en-US" sz="1800" dirty="0" err="1"/>
+              <a:t>bp</a:t>
+            </a:r>
+            <a:r>
+              <a:rPr lang="en-US" sz="1800" dirty="0"/>
+              <a:t> money in clean up bills. </a:t>
+            </a:r>
+          </a:p>
+          <a:p>
+            <a:r>
+              <a:rPr lang="en-US" sz="1800" dirty="0"/>
+              <a:t>On it’s own, </a:t>
+            </a:r>
+            <a:r>
+              <a:rPr lang="en-US" sz="1800" dirty="0">
+                <a:solidFill>
+                  <a:srgbClr val="FF0000"/>
+                </a:solidFill>
+              </a:rPr>
+              <a:t>oil is not magnetic</a:t>
+            </a:r>
+            <a:r>
+              <a:rPr lang="en-US" sz="1800" dirty="0"/>
+              <a:t>. But </a:t>
+            </a:r>
+            <a:r>
+              <a:rPr lang="en-US" sz="1800" dirty="0">
+                <a:solidFill>
+                  <a:srgbClr val="FF0000"/>
+                </a:solidFill>
+              </a:rPr>
+              <a:t>when mixed with water-repellant nanoparticles that contain iron, the oil can be magnetically separated </a:t>
+            </a:r>
+            <a:r>
+              <a:rPr lang="en-US" sz="1800" dirty="0"/>
+              <a:t>from the water. The nanoparticles can later be removed to </a:t>
+            </a:r>
+            <a:r>
+              <a:rPr lang="en-US" sz="1800" dirty="0">
+                <a:solidFill>
+                  <a:srgbClr val="FF0000"/>
+                </a:solidFill>
+              </a:rPr>
+              <a:t>enable the re-use of the oil</a:t>
+            </a:r>
+            <a:r>
+              <a:rPr lang="en-US" sz="1800" dirty="0"/>
+              <a:t>.</a:t>
+            </a:r>
+          </a:p>
+          <a:p>
+            <a:pPr marL="0" indent="0">
+              <a:buNone/>
+            </a:pPr>
+            <a:endParaRPr lang="en-US" dirty="0"/>
+          </a:p>
+          <a:p>
+            <a:pPr marL="0" indent="0">
+              <a:buNone/>
+            </a:pPr>
+            <a:endParaRPr lang="en-US" dirty="0"/>
+          </a:p>
+          <a:p>
+            <a:pPr marL="0" indent="0">
+              <a:buNone/>
+            </a:pPr>
+            <a:endParaRPr lang="en-US" dirty="0"/>
+          </a:p>
+        </p:txBody>
+      </p:sp>
     </p:spTree>
     <p:extLst>
       <p:ext uri="{BB962C8B-B14F-4D97-AF65-F5344CB8AC3E}">
-        <p14:creationId xmlns:p14="http://schemas.microsoft.com/office/powerpoint/2010/main" val="4035833450"/>
+        <p14:creationId xmlns:p14="http://schemas.microsoft.com/office/powerpoint/2010/main" val="2017828257"/>
       </p:ext>
     </p:extLst>
   </p:cSld>
